--- a/docs/ppt/Liao.pptx
+++ b/docs/ppt/Liao.pptx
@@ -5,10 +5,10 @@
     <p:sldMasterId id="2147483664" r:id="rId1"/>
   </p:sldMasterIdLst>
   <p:notesMasterIdLst>
-    <p:notesMasterId r:id="rId12"/>
+    <p:notesMasterId r:id="rId13"/>
   </p:notesMasterIdLst>
   <p:handoutMasterIdLst>
-    <p:handoutMasterId r:id="rId13"/>
+    <p:handoutMasterId r:id="rId14"/>
   </p:handoutMasterIdLst>
   <p:sldIdLst>
     <p:sldId id="264" r:id="rId2"/>
@@ -17,10 +17,11 @@
     <p:sldId id="271" r:id="rId5"/>
     <p:sldId id="274" r:id="rId6"/>
     <p:sldId id="278" r:id="rId7"/>
-    <p:sldId id="279" r:id="rId8"/>
-    <p:sldId id="275" r:id="rId9"/>
-    <p:sldId id="265" r:id="rId10"/>
-    <p:sldId id="260" r:id="rId11"/>
+    <p:sldId id="280" r:id="rId8"/>
+    <p:sldId id="279" r:id="rId9"/>
+    <p:sldId id="275" r:id="rId10"/>
+    <p:sldId id="265" r:id="rId11"/>
+    <p:sldId id="260" r:id="rId12"/>
   </p:sldIdLst>
   <p:sldSz cx="9906000" cy="6858000" type="A4"/>
   <p:notesSz cx="6807200" cy="9939338"/>
@@ -1879,7 +1880,7 @@
             <a:fld id="{05BF5AB9-3463-4E65-AFD3-5431B79ADFDC}" type="datetimeFigureOut">
               <a:rPr lang="zh-TW" altLang="en-US" smtClean="0"/>
               <a:pPr/>
-              <a:t>2025/3/19</a:t>
+              <a:t>2025/3/28</a:t>
             </a:fld>
             <a:endParaRPr lang="zh-TW" altLang="en-US"/>
           </a:p>
@@ -2046,7 +2047,7 @@
             <a:fld id="{838FF680-7B6B-4655-B6A1-33A8AD0AE8B4}" type="datetimeFigureOut">
               <a:rPr lang="zh-TW" altLang="en-US" smtClean="0"/>
               <a:pPr/>
-              <a:t>2025/3/19</a:t>
+              <a:t>2025/3/28</a:t>
             </a:fld>
             <a:endParaRPr lang="zh-TW" altLang="en-US"/>
           </a:p>
@@ -4329,7 +4330,7 @@
             <a:r>
               <a:rPr lang="zh-TW" altLang="en-US" sz="4000" dirty="0">
                 <a:solidFill>
-                  <a:schemeClr val="accent4"/>
+                  <a:srgbClr val="00B050"/>
                 </a:solidFill>
                 <a:latin typeface="微軟正黑體" panose="020B0604030504040204" pitchFamily="34" charset="-120"/>
                 <a:ea typeface="微軟正黑體" panose="020B0604030504040204" pitchFamily="34" charset="-120"/>
@@ -4575,14 +4576,14 @@
             <a:r>
               <a:rPr lang="zh-TW" altLang="en-US" sz="2400" b="0" dirty="0">
                 <a:solidFill>
-                  <a:schemeClr val="accent4"/>
+                  <a:srgbClr val="00B050"/>
                 </a:solidFill>
               </a:rPr>
               <a:t>組別：</a:t>
             </a:r>
             <a:endParaRPr lang="en-US" altLang="zh-TW" sz="2400" b="0" dirty="0">
               <a:solidFill>
-                <a:schemeClr val="accent4"/>
+                <a:srgbClr val="00B050"/>
               </a:solidFill>
             </a:endParaRPr>
           </a:p>
@@ -4600,14 +4601,14 @@
             <a:r>
               <a:rPr lang="zh-TW" altLang="en-US" sz="2400" b="0" dirty="0">
                 <a:solidFill>
-                  <a:schemeClr val="accent4"/>
+                  <a:srgbClr val="00B050"/>
                 </a:solidFill>
               </a:rPr>
               <a:t>組員：</a:t>
             </a:r>
             <a:endParaRPr lang="en-US" altLang="zh-TW" sz="2400" b="0" dirty="0">
               <a:solidFill>
-                <a:schemeClr val="accent4"/>
+                <a:srgbClr val="00B050"/>
               </a:solidFill>
             </a:endParaRPr>
           </a:p>
@@ -4625,14 +4626,14 @@
             <a:r>
               <a:rPr lang="zh-TW" altLang="en-US" sz="2400" b="0" dirty="0">
                 <a:solidFill>
-                  <a:schemeClr val="accent4"/>
+                  <a:srgbClr val="00B050"/>
                 </a:solidFill>
               </a:rPr>
               <a:t>指導老師：</a:t>
             </a:r>
             <a:endParaRPr lang="en-US" altLang="zh-TW" sz="2400" b="0" dirty="0">
               <a:solidFill>
-                <a:schemeClr val="accent4"/>
+                <a:srgbClr val="00B050"/>
               </a:solidFill>
             </a:endParaRPr>
           </a:p>
@@ -4652,6 +4653,95 @@
 </file>
 
 <file path=ppt/slides/slide10.xml><?xml version="1.0" encoding="utf-8"?>
+<p:sld xmlns:a="http://schemas.openxmlformats.org/drawingml/2006/main" xmlns:r="http://schemas.openxmlformats.org/officeDocument/2006/relationships" xmlns:p="http://schemas.openxmlformats.org/presentationml/2006/main">
+  <p:cSld>
+    <p:spTree>
+      <p:nvGrpSpPr>
+        <p:cNvPr id="1" name=""/>
+        <p:cNvGrpSpPr/>
+        <p:nvPr/>
+      </p:nvGrpSpPr>
+      <p:grpSpPr>
+        <a:xfrm>
+          <a:off x="0" y="0"/>
+          <a:ext cx="0" cy="0"/>
+          <a:chOff x="0" y="0"/>
+          <a:chExt cx="0" cy="0"/>
+        </a:xfrm>
+      </p:grpSpPr>
+      <p:sp>
+        <p:nvSpPr>
+          <p:cNvPr id="5" name="標題 4"/>
+          <p:cNvSpPr>
+            <a:spLocks noGrp="1"/>
+          </p:cNvSpPr>
+          <p:nvPr>
+            <p:ph type="title" idx="4294967295"/>
+          </p:nvPr>
+        </p:nvSpPr>
+        <p:spPr>
+          <a:xfrm>
+            <a:off x="632520" y="72008"/>
+            <a:ext cx="8640960" cy="692696"/>
+          </a:xfrm>
+          <a:prstGeom prst="rect">
+            <a:avLst/>
+          </a:prstGeom>
+        </p:spPr>
+        <p:txBody>
+          <a:bodyPr/>
+          <a:lstStyle/>
+          <a:p>
+            <a:r>
+              <a:rPr lang="zh-TW" altLang="en-US" dirty="0">
+                <a:solidFill>
+                  <a:srgbClr val="00B050"/>
+                </a:solidFill>
+              </a:rPr>
+              <a:t>填入標題，若不會用到請移除此頁</a:t>
+            </a:r>
+          </a:p>
+        </p:txBody>
+      </p:sp>
+      <p:graphicFrame>
+        <p:nvGraphicFramePr>
+          <p:cNvPr id="7" name="內容版面配置區 5"/>
+          <p:cNvGraphicFramePr>
+            <a:graphicFrameLocks noGrp="1"/>
+          </p:cNvGraphicFramePr>
+          <p:nvPr>
+            <p:ph idx="1"/>
+            <p:extLst>
+              <p:ext uri="{D42A27DB-BD31-4B8C-83A1-F6EECF244321}">
+                <p14:modId xmlns:p14="http://schemas.microsoft.com/office/powerpoint/2010/main" val="3645921703"/>
+              </p:ext>
+            </p:extLst>
+          </p:nvPr>
+        </p:nvGraphicFramePr>
+        <p:xfrm>
+          <a:off x="632520" y="836712"/>
+          <a:ext cx="8640960" cy="5472608"/>
+        </p:xfrm>
+        <a:graphic>
+          <a:graphicData uri="http://schemas.openxmlformats.org/drawingml/2006/chart">
+            <c:chart xmlns:c="http://schemas.openxmlformats.org/drawingml/2006/chart" xmlns:r="http://schemas.openxmlformats.org/officeDocument/2006/relationships" r:id="rId2"/>
+          </a:graphicData>
+        </a:graphic>
+      </p:graphicFrame>
+    </p:spTree>
+    <p:extLst>
+      <p:ext uri="{BB962C8B-B14F-4D97-AF65-F5344CB8AC3E}">
+        <p14:creationId xmlns:p14="http://schemas.microsoft.com/office/powerpoint/2010/main" val="3577770813"/>
+      </p:ext>
+    </p:extLst>
+  </p:cSld>
+  <p:clrMapOvr>
+    <a:masterClrMapping/>
+  </p:clrMapOvr>
+</p:sld>
+</file>
+
+<file path=ppt/slides/slide11.xml><?xml version="1.0" encoding="utf-8"?>
 <p:sld xmlns:a="http://schemas.openxmlformats.org/drawingml/2006/main" xmlns:r="http://schemas.openxmlformats.org/officeDocument/2006/relationships" xmlns:p="http://schemas.openxmlformats.org/presentationml/2006/main">
   <p:cSld>
     <p:spTree>
@@ -4826,7 +4916,11 @@
           <a:lstStyle/>
           <a:p>
             <a:r>
-              <a:rPr lang="zh-TW" altLang="en-US" dirty="0"/>
+              <a:rPr lang="zh-TW" altLang="en-US" dirty="0">
+                <a:solidFill>
+                  <a:srgbClr val="00B050"/>
+                </a:solidFill>
+              </a:rPr>
               <a:t>小組成員與分工介紹</a:t>
             </a:r>
           </a:p>
@@ -4886,7 +4980,11 @@
           <a:lstStyle/>
           <a:p>
             <a:r>
-              <a:rPr lang="zh-TW" altLang="en-US" dirty="0"/>
+              <a:rPr lang="zh-TW" altLang="en-US" dirty="0">
+                <a:solidFill>
+                  <a:srgbClr val="00B050"/>
+                </a:solidFill>
+              </a:rPr>
               <a:t>大綱</a:t>
             </a:r>
           </a:p>
@@ -5452,7 +5550,11 @@
           <a:lstStyle/>
           <a:p>
             <a:r>
-              <a:rPr lang="zh-TW" altLang="en-US" dirty="0"/>
+              <a:rPr lang="zh-TW" altLang="en-US" dirty="0">
+                <a:solidFill>
+                  <a:srgbClr val="00B050"/>
+                </a:solidFill>
+              </a:rPr>
               <a:t>填入標題，若不會用到請移除此頁</a:t>
             </a:r>
           </a:p>
@@ -5510,7 +5612,11 @@
           <a:lstStyle/>
           <a:p>
             <a:r>
-              <a:rPr lang="zh-TW" altLang="en-US" dirty="0"/>
+              <a:rPr lang="zh-TW" altLang="en-US" dirty="0">
+                <a:solidFill>
+                  <a:srgbClr val="00B050"/>
+                </a:solidFill>
+              </a:rPr>
               <a:t>看板列表</a:t>
             </a:r>
           </a:p>
@@ -5545,32 +5651,71 @@
           <a:lstStyle/>
           <a:p>
             <a:r>
-              <a:rPr lang="zh-TW" altLang="en-US" sz="2000" dirty="0"/>
-              <a:t>顯示所有專板使用者可透過分類／搜尋的方式尋找看板點進去即進入看板首頁</a:t>
-            </a:r>
-            <a:endParaRPr lang="en-US" altLang="zh-TW" sz="2000" dirty="0"/>
-          </a:p>
-          <a:p>
-            <a:r>
-              <a:rPr lang="zh-TW" altLang="en-US" sz="2000" dirty="0"/>
-              <a:t>右側顯示使用者的近期紀錄以及最新看板</a:t>
-            </a:r>
-            <a:endParaRPr lang="en-US" altLang="zh-TW" sz="2000" dirty="0"/>
-          </a:p>
-          <a:p>
-            <a:endParaRPr lang="zh-TW" altLang="en-US" sz="2000" dirty="0"/>
-          </a:p>
-          <a:p>
-            <a:endParaRPr lang="zh-TW" altLang="en-US" sz="2000" dirty="0"/>
+              <a:rPr lang="zh-TW" altLang="en-US" sz="1800" dirty="0"/>
+              <a:t>顯示所有專板　預設以人氣高低進行排序</a:t>
+            </a:r>
+            <a:endParaRPr lang="en-US" altLang="zh-TW" sz="1800" dirty="0"/>
+          </a:p>
+          <a:p>
+            <a:r>
+              <a:rPr lang="zh-TW" altLang="en-US" sz="1800" dirty="0"/>
+              <a:t>使用者可透過</a:t>
+            </a:r>
+            <a:r>
+              <a:rPr lang="en-US" altLang="zh-TW" sz="1800" dirty="0"/>
+              <a:t>【</a:t>
+            </a:r>
+            <a:r>
+              <a:rPr lang="zh-TW" altLang="en-US" sz="1800" dirty="0"/>
+              <a:t>分類按鈕</a:t>
+            </a:r>
+            <a:r>
+              <a:rPr lang="en-US" altLang="zh-TW" sz="1800" dirty="0"/>
+              <a:t>】</a:t>
+            </a:r>
+            <a:r>
+              <a:rPr lang="zh-TW" altLang="en-US" sz="1800" dirty="0"/>
+              <a:t>或</a:t>
+            </a:r>
+            <a:r>
+              <a:rPr lang="en-US" altLang="zh-TW" sz="1800" dirty="0"/>
+              <a:t>【</a:t>
+            </a:r>
+            <a:r>
+              <a:rPr lang="zh-TW" altLang="en-US" sz="1800" dirty="0"/>
+              <a:t>搜尋看板</a:t>
+            </a:r>
+            <a:r>
+              <a:rPr lang="en-US" altLang="zh-TW" sz="1800" dirty="0"/>
+              <a:t>】</a:t>
+            </a:r>
+            <a:r>
+              <a:rPr lang="zh-TW" altLang="en-US" sz="1800" dirty="0"/>
+              <a:t>的方式尋找看板，點擊看板標題可進入看板首頁</a:t>
+            </a:r>
+            <a:endParaRPr lang="en-US" altLang="zh-TW" sz="1800" dirty="0"/>
+          </a:p>
+          <a:p>
+            <a:r>
+              <a:rPr lang="zh-TW" altLang="en-US" sz="1800" dirty="0"/>
+              <a:t>右側會顯示　　使用者近期瀏覽過的看板紀錄以及最新成立看板</a:t>
+            </a:r>
+            <a:endParaRPr lang="en-US" altLang="zh-TW" sz="1800" dirty="0"/>
+          </a:p>
+          <a:p>
+            <a:r>
+              <a:rPr lang="zh-TW" altLang="en-US" sz="1800" dirty="0"/>
+              <a:t>移動到超連結上會以綠色顯示</a:t>
+            </a:r>
           </a:p>
         </p:txBody>
       </p:sp>
       <p:pic>
         <p:nvPicPr>
-          <p:cNvPr id="4" name="圖片 3">
+          <p:cNvPr id="5" name="圖片 4">
             <a:extLst>
               <a:ext uri="{FF2B5EF4-FFF2-40B4-BE49-F238E27FC236}">
-                <a16:creationId xmlns:a16="http://schemas.microsoft.com/office/drawing/2014/main" id="{D06DC920-A9F6-44A3-9B41-82EB05D40378}"/>
+                <a16:creationId xmlns:a16="http://schemas.microsoft.com/office/drawing/2014/main" id="{3AEA5362-6814-43D7-9C96-954C0446A57A}"/>
               </a:ext>
             </a:extLst>
           </p:cNvPr>
@@ -5587,8 +5732,8 @@
         </p:blipFill>
         <p:spPr>
           <a:xfrm>
-            <a:off x="56456" y="1268760"/>
-            <a:ext cx="7573864" cy="3745641"/>
+            <a:off x="28541" y="980727"/>
+            <a:ext cx="7678270" cy="5257809"/>
           </a:xfrm>
           <a:prstGeom prst="rect">
             <a:avLst/>
@@ -5647,16 +5792,12 @@
           <a:lstStyle/>
           <a:p>
             <a:r>
-              <a:rPr lang="zh-TW" altLang="en-US" dirty="0"/>
+              <a:rPr lang="zh-TW" altLang="en-US" dirty="0">
+                <a:solidFill>
+                  <a:srgbClr val="00B050"/>
+                </a:solidFill>
+              </a:rPr>
               <a:t>看板首頁</a:t>
-            </a:r>
-            <a:r>
-              <a:rPr lang="en-US" altLang="zh-TW" dirty="0"/>
-              <a:t>+</a:t>
-            </a:r>
-            <a:r>
-              <a:rPr lang="zh-TW" altLang="en-US" dirty="0"/>
-              <a:t>文章列表</a:t>
             </a:r>
           </a:p>
         </p:txBody>
@@ -5684,46 +5825,54 @@
           </a:xfrm>
         </p:spPr>
         <p:txBody>
-          <a:bodyPr/>
+          <a:bodyPr>
+            <a:normAutofit/>
+          </a:bodyPr>
           <a:lstStyle/>
           <a:p>
             <a:r>
-              <a:rPr lang="zh-TW" altLang="en-US" sz="2000" dirty="0"/>
-              <a:t>首頁顯示熱門文章以及布告欄</a:t>
-            </a:r>
-            <a:endParaRPr lang="en-US" altLang="zh-TW" sz="2000" dirty="0"/>
-          </a:p>
-          <a:p>
-            <a:r>
-              <a:rPr lang="zh-TW" altLang="en-US" sz="2000" dirty="0"/>
-              <a:t>使用者可訂閱看板、在看板上發文，以及搜尋文章</a:t>
-            </a:r>
-            <a:endParaRPr lang="en-US" altLang="zh-TW" sz="2000" dirty="0"/>
-          </a:p>
-          <a:p>
-            <a:r>
-              <a:rPr lang="zh-TW" altLang="en-US" sz="2000" dirty="0"/>
+              <a:rPr lang="zh-TW" altLang="en-US" sz="1800" dirty="0"/>
+              <a:t>首頁顯示看板的介紹、熱門文章以及公告</a:t>
+            </a:r>
+            <a:endParaRPr lang="en-US" altLang="zh-TW" sz="1800" dirty="0"/>
+          </a:p>
+          <a:p>
+            <a:r>
+              <a:rPr lang="zh-TW" altLang="en-US" sz="1800" dirty="0"/>
+              <a:t>登入後使用者可以在看板上發文以及搜尋文章</a:t>
+            </a:r>
+            <a:endParaRPr lang="en-US" altLang="zh-TW" sz="1800" dirty="0"/>
+          </a:p>
+          <a:p>
+            <a:r>
+              <a:rPr lang="zh-TW" altLang="en-US" sz="1800" dirty="0"/>
               <a:t>上排按鈕可進入文章列表，切換式的分頁</a:t>
             </a:r>
-            <a:endParaRPr lang="en-US" altLang="zh-TW" sz="2000" dirty="0"/>
-          </a:p>
-          <a:p>
-            <a:r>
-              <a:rPr lang="zh-TW" altLang="en-US" sz="2000" dirty="0"/>
-              <a:t>文章列表右側顯示聊天室，供使用者使用</a:t>
-            </a:r>
-          </a:p>
-          <a:p>
-            <a:endParaRPr lang="zh-TW" altLang="en-US" dirty="0"/>
+            <a:endParaRPr lang="en-US" altLang="zh-TW" sz="1800" dirty="0"/>
+          </a:p>
+          <a:p>
+            <a:r>
+              <a:rPr lang="zh-TW" altLang="en-US" sz="1800" dirty="0"/>
+              <a:t>熱門文章會依照人氣顯示最多觀看數的</a:t>
+            </a:r>
+            <a:r>
+              <a:rPr lang="en-US" altLang="zh-TW" sz="1800" dirty="0"/>
+              <a:t>5</a:t>
+            </a:r>
+            <a:r>
+              <a:rPr lang="zh-TW" altLang="en-US" sz="1800" dirty="0"/>
+              <a:t>篇文章，點擊繼續閱讀可進入該文章頁面</a:t>
+            </a:r>
+            <a:endParaRPr lang="en-US" altLang="zh-TW" sz="1800" dirty="0"/>
           </a:p>
         </p:txBody>
       </p:sp>
       <p:pic>
         <p:nvPicPr>
-          <p:cNvPr id="8" name="圖片 7">
+          <p:cNvPr id="2" name="圖片 1">
             <a:extLst>
               <a:ext uri="{FF2B5EF4-FFF2-40B4-BE49-F238E27FC236}">
-                <a16:creationId xmlns:a16="http://schemas.microsoft.com/office/drawing/2014/main" id="{3FE5DAEE-5C7C-4D4D-86BE-CC0C14F3656C}"/>
+                <a16:creationId xmlns:a16="http://schemas.microsoft.com/office/drawing/2014/main" id="{55104E13-1418-490B-A7A0-6DD7BA92BA5A}"/>
               </a:ext>
             </a:extLst>
           </p:cNvPr>
@@ -5740,8 +5889,8 @@
         </p:blipFill>
         <p:spPr>
           <a:xfrm>
-            <a:off x="56456" y="819616"/>
-            <a:ext cx="7595405" cy="4553600"/>
+            <a:off x="56456" y="820708"/>
+            <a:ext cx="7146885" cy="4058724"/>
           </a:xfrm>
           <a:prstGeom prst="rect">
             <a:avLst/>
@@ -5750,10 +5899,10 @@
       </p:pic>
       <p:pic>
         <p:nvPicPr>
-          <p:cNvPr id="5" name="圖片 4">
+          <p:cNvPr id="4" name="圖片 3">
             <a:extLst>
               <a:ext uri="{FF2B5EF4-FFF2-40B4-BE49-F238E27FC236}">
-                <a16:creationId xmlns:a16="http://schemas.microsoft.com/office/drawing/2014/main" id="{23D10C7A-5E3C-4D3E-AAD9-1AF3E14DFF97}"/>
+                <a16:creationId xmlns:a16="http://schemas.microsoft.com/office/drawing/2014/main" id="{926C5A8F-030C-4A40-8935-1841007DB7E5}"/>
               </a:ext>
             </a:extLst>
           </p:cNvPr>
@@ -5770,38 +5919,8 @@
         </p:blipFill>
         <p:spPr>
           <a:xfrm>
-            <a:off x="110006" y="5230204"/>
-            <a:ext cx="7723314" cy="1295140"/>
-          </a:xfrm>
-          <a:prstGeom prst="rect">
-            <a:avLst/>
-          </a:prstGeom>
-        </p:spPr>
-      </p:pic>
-      <p:pic>
-        <p:nvPicPr>
-          <p:cNvPr id="7" name="圖片 6">
-            <a:extLst>
-              <a:ext uri="{FF2B5EF4-FFF2-40B4-BE49-F238E27FC236}">
-                <a16:creationId xmlns:a16="http://schemas.microsoft.com/office/drawing/2014/main" id="{805A5D88-01A1-490A-B284-534939693ACD}"/>
-              </a:ext>
-            </a:extLst>
-          </p:cNvPr>
-          <p:cNvPicPr>
-            <a:picLocks noChangeAspect="1"/>
-          </p:cNvPicPr>
-          <p:nvPr/>
-        </p:nvPicPr>
-        <p:blipFill>
-          <a:blip r:embed="rId4"/>
-          <a:stretch>
-            <a:fillRect/>
-          </a:stretch>
-        </p:blipFill>
-        <p:spPr>
-          <a:xfrm>
-            <a:off x="5911550" y="5949782"/>
-            <a:ext cx="2065786" cy="706514"/>
+            <a:off x="1784648" y="3645024"/>
+            <a:ext cx="5835124" cy="2935572"/>
           </a:xfrm>
           <a:prstGeom prst="rect">
             <a:avLst/>
@@ -5860,8 +5979,12 @@
           <a:lstStyle/>
           <a:p>
             <a:r>
-              <a:rPr lang="zh-TW" altLang="en-US" dirty="0"/>
-              <a:t>訂單紀錄清單</a:t>
+              <a:rPr lang="zh-TW" altLang="en-US" dirty="0">
+                <a:solidFill>
+                  <a:srgbClr val="00B050"/>
+                </a:solidFill>
+              </a:rPr>
+              <a:t>文章列表</a:t>
             </a:r>
           </a:p>
         </p:txBody>
@@ -5895,30 +6018,56 @@
           <a:lstStyle/>
           <a:p>
             <a:r>
-              <a:rPr lang="zh-TW" altLang="en-US" sz="2000" dirty="0"/>
-              <a:t>從商城導覽列進入我的訂單</a:t>
-            </a:r>
-            <a:endParaRPr lang="en-US" altLang="zh-TW" sz="2000" dirty="0"/>
-          </a:p>
-          <a:p>
-            <a:r>
-              <a:rPr lang="zh-TW" altLang="en-US" sz="2000" dirty="0"/>
-              <a:t>訂單紀錄會顯示當前訂單的狀態，使用者亦可搜尋訂單</a:t>
-            </a:r>
-            <a:endParaRPr lang="en-US" altLang="zh-TW" sz="2000" dirty="0"/>
-          </a:p>
-          <a:p>
-            <a:r>
-              <a:rPr lang="zh-TW" altLang="en-US" sz="2000" dirty="0"/>
-              <a:t>進度條會顯示訂單的進度，以及確認進度的時間</a:t>
-            </a:r>
-            <a:endParaRPr lang="en-US" altLang="zh-TW" sz="2000" dirty="0"/>
-          </a:p>
-          <a:p>
-            <a:r>
-              <a:rPr lang="zh-TW" altLang="en-US" sz="2000" dirty="0"/>
-              <a:t>點擊查看明細會彈出視窗，可查看該訂單詳細的資訊</a:t>
-            </a:r>
+              <a:rPr lang="zh-TW" altLang="en-US" sz="1800" dirty="0"/>
+              <a:t>文章列表依然時間序顯示最新發布的文章，用</a:t>
+            </a:r>
+            <a:r>
+              <a:rPr lang="en-US" altLang="zh-TW" sz="1800" dirty="0"/>
+              <a:t>【</a:t>
+            </a:r>
+            <a:r>
+              <a:rPr lang="zh-TW" altLang="en-US" sz="1800" dirty="0"/>
+              <a:t>分類按鈕</a:t>
+            </a:r>
+            <a:r>
+              <a:rPr lang="en-US" altLang="zh-TW" sz="1800" dirty="0"/>
+              <a:t>】</a:t>
+            </a:r>
+            <a:r>
+              <a:rPr lang="zh-TW" altLang="en-US" sz="1800" dirty="0"/>
+              <a:t>或</a:t>
+            </a:r>
+            <a:r>
+              <a:rPr lang="en-US" altLang="zh-TW" sz="1800" dirty="0"/>
+              <a:t>【</a:t>
+            </a:r>
+            <a:r>
+              <a:rPr lang="zh-TW" altLang="en-US" sz="1800" dirty="0"/>
+              <a:t>搜尋文章</a:t>
+            </a:r>
+            <a:r>
+              <a:rPr lang="en-US" altLang="zh-TW" sz="1800" dirty="0"/>
+              <a:t>】</a:t>
+            </a:r>
+            <a:r>
+              <a:rPr lang="zh-TW" altLang="en-US" sz="1800" dirty="0"/>
+              <a:t>可篩選自己想找的文章</a:t>
+            </a:r>
+            <a:endParaRPr lang="en-US" altLang="zh-TW" sz="1800" dirty="0"/>
+          </a:p>
+          <a:p>
+            <a:r>
+              <a:rPr lang="zh-TW" altLang="en-US" sz="1800" dirty="0"/>
+              <a:t>點擊標題或者封面圖片皆可進入文章頁面</a:t>
+            </a:r>
+            <a:endParaRPr lang="en-US" altLang="zh-TW" sz="1800" dirty="0"/>
+          </a:p>
+          <a:p>
+            <a:r>
+              <a:rPr lang="zh-TW" altLang="en-US" sz="1800" dirty="0"/>
+              <a:t>文章列表右側顯示聊天室供使用者交流，未登入會以訪客顯示，反之以用戶名顯示</a:t>
+            </a:r>
+            <a:endParaRPr lang="en-US" altLang="zh-TW" sz="1800" dirty="0"/>
           </a:p>
         </p:txBody>
       </p:sp>
@@ -5927,7 +6076,7 @@
           <p:cNvPr id="2" name="圖片 1">
             <a:extLst>
               <a:ext uri="{FF2B5EF4-FFF2-40B4-BE49-F238E27FC236}">
-                <a16:creationId xmlns:a16="http://schemas.microsoft.com/office/drawing/2014/main" id="{24B74E42-92A7-41BE-938B-370A168FB4BF}"/>
+                <a16:creationId xmlns:a16="http://schemas.microsoft.com/office/drawing/2014/main" id="{14A2C8A3-FC8E-41CC-8E56-3B0A20C3D9B8}"/>
               </a:ext>
             </a:extLst>
           </p:cNvPr>
@@ -5944,8 +6093,8 @@
         </p:blipFill>
         <p:spPr>
           <a:xfrm>
-            <a:off x="56456" y="1174414"/>
-            <a:ext cx="7597176" cy="3995117"/>
+            <a:off x="36123" y="908720"/>
+            <a:ext cx="7668981" cy="4968552"/>
           </a:xfrm>
           <a:prstGeom prst="rect">
             <a:avLst/>
@@ -5954,10 +6103,10 @@
       </p:pic>
       <p:pic>
         <p:nvPicPr>
-          <p:cNvPr id="5" name="圖片 4">
+          <p:cNvPr id="4" name="圖片 3">
             <a:extLst>
               <a:ext uri="{FF2B5EF4-FFF2-40B4-BE49-F238E27FC236}">
-                <a16:creationId xmlns:a16="http://schemas.microsoft.com/office/drawing/2014/main" id="{7B93973F-5B28-4959-9290-982D28025D13}"/>
+                <a16:creationId xmlns:a16="http://schemas.microsoft.com/office/drawing/2014/main" id="{807D124D-F070-4992-8C34-285507738E43}"/>
               </a:ext>
             </a:extLst>
           </p:cNvPr>
@@ -5974,8 +6123,291 @@
         </p:blipFill>
         <p:spPr>
           <a:xfrm>
-            <a:off x="4709532" y="3655645"/>
-            <a:ext cx="3051780" cy="2725683"/>
+            <a:off x="5529064" y="3609632"/>
+            <a:ext cx="2232248" cy="2973834"/>
+          </a:xfrm>
+          <a:prstGeom prst="rect">
+            <a:avLst/>
+          </a:prstGeom>
+        </p:spPr>
+      </p:pic>
+    </p:spTree>
+    <p:extLst>
+      <p:ext uri="{BB962C8B-B14F-4D97-AF65-F5344CB8AC3E}">
+        <p14:creationId xmlns:p14="http://schemas.microsoft.com/office/powerpoint/2010/main" val="2273651645"/>
+      </p:ext>
+    </p:extLst>
+  </p:cSld>
+  <p:clrMapOvr>
+    <a:masterClrMapping/>
+  </p:clrMapOvr>
+</p:sld>
+</file>
+
+<file path=ppt/slides/slide8.xml><?xml version="1.0" encoding="utf-8"?>
+<p:sld xmlns:a="http://schemas.openxmlformats.org/drawingml/2006/main" xmlns:r="http://schemas.openxmlformats.org/officeDocument/2006/relationships" xmlns:p="http://schemas.openxmlformats.org/presentationml/2006/main">
+  <p:cSld>
+    <p:spTree>
+      <p:nvGrpSpPr>
+        <p:cNvPr id="1" name=""/>
+        <p:cNvGrpSpPr/>
+        <p:nvPr/>
+      </p:nvGrpSpPr>
+      <p:grpSpPr>
+        <a:xfrm>
+          <a:off x="0" y="0"/>
+          <a:ext cx="0" cy="0"/>
+          <a:chOff x="0" y="0"/>
+          <a:chExt cx="0" cy="0"/>
+        </a:xfrm>
+      </p:grpSpPr>
+      <p:sp>
+        <p:nvSpPr>
+          <p:cNvPr id="3" name="標題 2">
+            <a:extLst>
+              <a:ext uri="{FF2B5EF4-FFF2-40B4-BE49-F238E27FC236}">
+                <a16:creationId xmlns:a16="http://schemas.microsoft.com/office/drawing/2014/main" id="{E2F12E2F-52EE-CA77-FB53-4EFC2E0F43C3}"/>
+              </a:ext>
+            </a:extLst>
+          </p:cNvPr>
+          <p:cNvSpPr>
+            <a:spLocks noGrp="1"/>
+          </p:cNvSpPr>
+          <p:nvPr>
+            <p:ph type="title"/>
+          </p:nvPr>
+        </p:nvSpPr>
+        <p:spPr/>
+        <p:txBody>
+          <a:bodyPr/>
+          <a:lstStyle/>
+          <a:p>
+            <a:r>
+              <a:rPr lang="zh-TW" altLang="en-US" dirty="0">
+                <a:solidFill>
+                  <a:srgbClr val="00B050"/>
+                </a:solidFill>
+              </a:rPr>
+              <a:t>訂單紀錄清單</a:t>
+            </a:r>
+          </a:p>
+        </p:txBody>
+      </p:sp>
+      <p:sp>
+        <p:nvSpPr>
+          <p:cNvPr id="6" name="內容版面配置區 5">
+            <a:extLst>
+              <a:ext uri="{FF2B5EF4-FFF2-40B4-BE49-F238E27FC236}">
+                <a16:creationId xmlns:a16="http://schemas.microsoft.com/office/drawing/2014/main" id="{9080CAA6-5B4D-F32A-847F-6EFB006B3FA3}"/>
+              </a:ext>
+            </a:extLst>
+          </p:cNvPr>
+          <p:cNvSpPr>
+            <a:spLocks noGrp="1"/>
+          </p:cNvSpPr>
+          <p:nvPr>
+            <p:ph idx="1"/>
+          </p:nvPr>
+        </p:nvSpPr>
+        <p:spPr>
+          <a:xfrm>
+            <a:off x="7666858" y="980728"/>
+            <a:ext cx="2232248" cy="5257809"/>
+          </a:xfrm>
+        </p:spPr>
+        <p:txBody>
+          <a:bodyPr>
+            <a:normAutofit fontScale="85000" lnSpcReduction="10000"/>
+          </a:bodyPr>
+          <a:lstStyle/>
+          <a:p>
+            <a:r>
+              <a:rPr lang="zh-TW" altLang="en-US" sz="1800" dirty="0"/>
+              <a:t>從商城導覽列進入</a:t>
+            </a:r>
+            <a:r>
+              <a:rPr lang="en-US" altLang="zh-TW" sz="1800" dirty="0"/>
+              <a:t>【</a:t>
+            </a:r>
+            <a:r>
+              <a:rPr lang="zh-TW" altLang="en-US" sz="1800" dirty="0"/>
+              <a:t>我的訂單</a:t>
+            </a:r>
+            <a:r>
+              <a:rPr lang="en-US" altLang="zh-TW" sz="1800" dirty="0"/>
+              <a:t>】</a:t>
+            </a:r>
+          </a:p>
+          <a:p>
+            <a:r>
+              <a:rPr lang="en-US" altLang="zh-TW" sz="1800" dirty="0"/>
+              <a:t>Login Check</a:t>
+            </a:r>
+            <a:r>
+              <a:rPr lang="zh-TW" altLang="en-US" sz="1800" dirty="0"/>
+              <a:t>：部分按鈕在使用者必須已登入的狀態下才可執行，否則彈出提醒視窗並跳轉</a:t>
+            </a:r>
+            <a:endParaRPr lang="en-US" altLang="zh-TW" sz="1800" dirty="0"/>
+          </a:p>
+          <a:p>
+            <a:r>
+              <a:rPr lang="zh-TW" altLang="en-US" sz="1800" dirty="0"/>
+              <a:t>訂單紀錄會顯示使用者當前所有訂單的狀態，亦可以訂單編號去搜尋訂單</a:t>
+            </a:r>
+            <a:endParaRPr lang="en-US" altLang="zh-TW" sz="1800" dirty="0"/>
+          </a:p>
+          <a:p>
+            <a:r>
+              <a:rPr lang="zh-TW" altLang="en-US" sz="1800" dirty="0"/>
+              <a:t>進度條會顯示訂單的進度，以及記錄進度的時間</a:t>
+            </a:r>
+            <a:endParaRPr lang="en-US" altLang="zh-TW" sz="1800" dirty="0"/>
+          </a:p>
+          <a:p>
+            <a:r>
+              <a:rPr lang="zh-TW" altLang="en-US" sz="1800" dirty="0"/>
+              <a:t>點擊查看明細會彈出視窗，可查看該訂單詳細的資訊</a:t>
+            </a:r>
+            <a:endParaRPr lang="en-US" altLang="zh-TW" sz="1800" dirty="0"/>
+          </a:p>
+          <a:p>
+            <a:r>
+              <a:rPr lang="zh-TW" altLang="en-US" sz="1800" dirty="0"/>
+              <a:t>若還在</a:t>
+            </a:r>
+            <a:r>
+              <a:rPr lang="en-US" altLang="zh-TW" sz="1800" dirty="0"/>
+              <a:t>【</a:t>
+            </a:r>
+            <a:r>
+              <a:rPr lang="zh-TW" altLang="en-US" sz="1800" dirty="0"/>
+              <a:t>處理中</a:t>
+            </a:r>
+            <a:r>
+              <a:rPr lang="en-US" altLang="zh-TW" sz="1800" dirty="0"/>
+              <a:t>】</a:t>
+            </a:r>
+            <a:r>
+              <a:rPr lang="zh-TW" altLang="en-US" sz="1800" dirty="0"/>
+              <a:t>的訂單可以取消，並且會跳出確認視窗</a:t>
+            </a:r>
+          </a:p>
+        </p:txBody>
+      </p:sp>
+      <p:pic>
+        <p:nvPicPr>
+          <p:cNvPr id="4" name="圖片 3">
+            <a:extLst>
+              <a:ext uri="{FF2B5EF4-FFF2-40B4-BE49-F238E27FC236}">
+                <a16:creationId xmlns:a16="http://schemas.microsoft.com/office/drawing/2014/main" id="{FAED6CE1-C04C-4D0E-8EFC-AB597170BE22}"/>
+              </a:ext>
+            </a:extLst>
+          </p:cNvPr>
+          <p:cNvPicPr>
+            <a:picLocks noChangeAspect="1"/>
+          </p:cNvPicPr>
+          <p:nvPr/>
+        </p:nvPicPr>
+        <p:blipFill>
+          <a:blip r:embed="rId2"/>
+          <a:stretch>
+            <a:fillRect/>
+          </a:stretch>
+        </p:blipFill>
+        <p:spPr>
+          <a:xfrm>
+            <a:off x="56456" y="1702475"/>
+            <a:ext cx="7560840" cy="2158573"/>
+          </a:xfrm>
+          <a:prstGeom prst="rect">
+            <a:avLst/>
+          </a:prstGeom>
+        </p:spPr>
+      </p:pic>
+      <p:pic>
+        <p:nvPicPr>
+          <p:cNvPr id="7" name="圖片 6">
+            <a:extLst>
+              <a:ext uri="{FF2B5EF4-FFF2-40B4-BE49-F238E27FC236}">
+                <a16:creationId xmlns:a16="http://schemas.microsoft.com/office/drawing/2014/main" id="{2E09FC48-AD17-481C-98EB-361A4B7F0871}"/>
+              </a:ext>
+            </a:extLst>
+          </p:cNvPr>
+          <p:cNvPicPr>
+            <a:picLocks noChangeAspect="1"/>
+          </p:cNvPicPr>
+          <p:nvPr/>
+        </p:nvPicPr>
+        <p:blipFill>
+          <a:blip r:embed="rId3"/>
+          <a:stretch>
+            <a:fillRect/>
+          </a:stretch>
+        </p:blipFill>
+        <p:spPr>
+          <a:xfrm>
+            <a:off x="272480" y="3645024"/>
+            <a:ext cx="3283722" cy="2933546"/>
+          </a:xfrm>
+          <a:prstGeom prst="rect">
+            <a:avLst/>
+          </a:prstGeom>
+        </p:spPr>
+      </p:pic>
+      <p:pic>
+        <p:nvPicPr>
+          <p:cNvPr id="8" name="圖片 7">
+            <a:extLst>
+              <a:ext uri="{FF2B5EF4-FFF2-40B4-BE49-F238E27FC236}">
+                <a16:creationId xmlns:a16="http://schemas.microsoft.com/office/drawing/2014/main" id="{8AB82BBB-93E6-4B4B-93E6-EB443B742CE7}"/>
+              </a:ext>
+            </a:extLst>
+          </p:cNvPr>
+          <p:cNvPicPr>
+            <a:picLocks noChangeAspect="1"/>
+          </p:cNvPicPr>
+          <p:nvPr/>
+        </p:nvPicPr>
+        <p:blipFill>
+          <a:blip r:embed="rId4"/>
+          <a:stretch>
+            <a:fillRect/>
+          </a:stretch>
+        </p:blipFill>
+        <p:spPr>
+          <a:xfrm>
+            <a:off x="3345058" y="4966108"/>
+            <a:ext cx="4258269" cy="1343212"/>
+          </a:xfrm>
+          <a:prstGeom prst="rect">
+            <a:avLst/>
+          </a:prstGeom>
+        </p:spPr>
+      </p:pic>
+      <p:pic>
+        <p:nvPicPr>
+          <p:cNvPr id="10" name="圖片 9">
+            <a:extLst>
+              <a:ext uri="{FF2B5EF4-FFF2-40B4-BE49-F238E27FC236}">
+                <a16:creationId xmlns:a16="http://schemas.microsoft.com/office/drawing/2014/main" id="{1ED87E55-EFC0-4B1B-BE59-9287FF6CDF16}"/>
+              </a:ext>
+            </a:extLst>
+          </p:cNvPr>
+          <p:cNvPicPr>
+            <a:picLocks noChangeAspect="1"/>
+          </p:cNvPicPr>
+          <p:nvPr/>
+        </p:nvPicPr>
+        <p:blipFill>
+          <a:blip r:embed="rId5"/>
+          <a:stretch>
+            <a:fillRect/>
+          </a:stretch>
+        </p:blipFill>
+        <p:spPr>
+          <a:xfrm>
+            <a:off x="2436017" y="878833"/>
+            <a:ext cx="3470707" cy="1318168"/>
           </a:xfrm>
           <a:prstGeom prst="rect">
             <a:avLst/>
@@ -5995,7 +6427,7 @@
 </p:sld>
 </file>
 
-<file path=ppt/slides/slide8.xml><?xml version="1.0" encoding="utf-8"?>
+<file path=ppt/slides/slide9.xml><?xml version="1.0" encoding="utf-8"?>
 <p:sld xmlns:a="http://schemas.openxmlformats.org/drawingml/2006/main" xmlns:r="http://schemas.openxmlformats.org/officeDocument/2006/relationships" xmlns:p="http://schemas.openxmlformats.org/presentationml/2006/main">
   <p:cSld>
     <p:spTree>
@@ -6100,7 +6532,11 @@
           <a:lstStyle/>
           <a:p>
             <a:r>
-              <a:rPr lang="zh-TW" altLang="en-US" dirty="0"/>
+              <a:rPr lang="zh-TW" altLang="en-US" dirty="0">
+                <a:solidFill>
+                  <a:srgbClr val="00B050"/>
+                </a:solidFill>
+              </a:rPr>
               <a:t>填入標題，若不會用到請移除此頁</a:t>
             </a:r>
           </a:p>
@@ -6110,91 +6546,6 @@
     <p:extLst>
       <p:ext uri="{BB962C8B-B14F-4D97-AF65-F5344CB8AC3E}">
         <p14:creationId xmlns:p14="http://schemas.microsoft.com/office/powerpoint/2010/main" val="1335810427"/>
-      </p:ext>
-    </p:extLst>
-  </p:cSld>
-  <p:clrMapOvr>
-    <a:masterClrMapping/>
-  </p:clrMapOvr>
-</p:sld>
-</file>
-
-<file path=ppt/slides/slide9.xml><?xml version="1.0" encoding="utf-8"?>
-<p:sld xmlns:a="http://schemas.openxmlformats.org/drawingml/2006/main" xmlns:r="http://schemas.openxmlformats.org/officeDocument/2006/relationships" xmlns:p="http://schemas.openxmlformats.org/presentationml/2006/main">
-  <p:cSld>
-    <p:spTree>
-      <p:nvGrpSpPr>
-        <p:cNvPr id="1" name=""/>
-        <p:cNvGrpSpPr/>
-        <p:nvPr/>
-      </p:nvGrpSpPr>
-      <p:grpSpPr>
-        <a:xfrm>
-          <a:off x="0" y="0"/>
-          <a:ext cx="0" cy="0"/>
-          <a:chOff x="0" y="0"/>
-          <a:chExt cx="0" cy="0"/>
-        </a:xfrm>
-      </p:grpSpPr>
-      <p:sp>
-        <p:nvSpPr>
-          <p:cNvPr id="5" name="標題 4"/>
-          <p:cNvSpPr>
-            <a:spLocks noGrp="1"/>
-          </p:cNvSpPr>
-          <p:nvPr>
-            <p:ph type="title" idx="4294967295"/>
-          </p:nvPr>
-        </p:nvSpPr>
-        <p:spPr>
-          <a:xfrm>
-            <a:off x="632520" y="72008"/>
-            <a:ext cx="8640960" cy="692696"/>
-          </a:xfrm>
-          <a:prstGeom prst="rect">
-            <a:avLst/>
-          </a:prstGeom>
-        </p:spPr>
-        <p:txBody>
-          <a:bodyPr/>
-          <a:lstStyle/>
-          <a:p>
-            <a:r>
-              <a:rPr lang="zh-TW" altLang="en-US" dirty="0"/>
-              <a:t>填入標題，若不會用到請移除此頁</a:t>
-            </a:r>
-          </a:p>
-        </p:txBody>
-      </p:sp>
-      <p:graphicFrame>
-        <p:nvGraphicFramePr>
-          <p:cNvPr id="7" name="內容版面配置區 5"/>
-          <p:cNvGraphicFramePr>
-            <a:graphicFrameLocks noGrp="1"/>
-          </p:cNvGraphicFramePr>
-          <p:nvPr>
-            <p:ph idx="1"/>
-            <p:extLst>
-              <p:ext uri="{D42A27DB-BD31-4B8C-83A1-F6EECF244321}">
-                <p14:modId xmlns:p14="http://schemas.microsoft.com/office/powerpoint/2010/main" val="3645921703"/>
-              </p:ext>
-            </p:extLst>
-          </p:nvPr>
-        </p:nvGraphicFramePr>
-        <p:xfrm>
-          <a:off x="632520" y="836712"/>
-          <a:ext cx="8640960" cy="5472608"/>
-        </p:xfrm>
-        <a:graphic>
-          <a:graphicData uri="http://schemas.openxmlformats.org/drawingml/2006/chart">
-            <c:chart xmlns:c="http://schemas.openxmlformats.org/drawingml/2006/chart" xmlns:r="http://schemas.openxmlformats.org/officeDocument/2006/relationships" r:id="rId2"/>
-          </a:graphicData>
-        </a:graphic>
-      </p:graphicFrame>
-    </p:spTree>
-    <p:extLst>
-      <p:ext uri="{BB962C8B-B14F-4D97-AF65-F5344CB8AC3E}">
-        <p14:creationId xmlns:p14="http://schemas.microsoft.com/office/powerpoint/2010/main" val="3577770813"/>
       </p:ext>
     </p:extLst>
   </p:cSld>

--- a/docs/ppt/Liao.pptx
+++ b/docs/ppt/Liao.pptx
@@ -5,23 +5,24 @@
     <p:sldMasterId id="2147483664" r:id="rId1"/>
   </p:sldMasterIdLst>
   <p:notesMasterIdLst>
-    <p:notesMasterId r:id="rId13"/>
+    <p:notesMasterId r:id="rId14"/>
   </p:notesMasterIdLst>
   <p:handoutMasterIdLst>
-    <p:handoutMasterId r:id="rId14"/>
+    <p:handoutMasterId r:id="rId15"/>
   </p:handoutMasterIdLst>
   <p:sldIdLst>
     <p:sldId id="264" r:id="rId2"/>
     <p:sldId id="273" r:id="rId3"/>
     <p:sldId id="270" r:id="rId4"/>
     <p:sldId id="271" r:id="rId5"/>
-    <p:sldId id="274" r:id="rId6"/>
-    <p:sldId id="278" r:id="rId7"/>
-    <p:sldId id="280" r:id="rId8"/>
-    <p:sldId id="279" r:id="rId9"/>
-    <p:sldId id="275" r:id="rId10"/>
-    <p:sldId id="265" r:id="rId11"/>
-    <p:sldId id="260" r:id="rId12"/>
+    <p:sldId id="281" r:id="rId6"/>
+    <p:sldId id="274" r:id="rId7"/>
+    <p:sldId id="278" r:id="rId8"/>
+    <p:sldId id="280" r:id="rId9"/>
+    <p:sldId id="279" r:id="rId10"/>
+    <p:sldId id="275" r:id="rId11"/>
+    <p:sldId id="265" r:id="rId12"/>
+    <p:sldId id="260" r:id="rId13"/>
   </p:sldIdLst>
   <p:sldSz cx="9906000" cy="6858000" type="A4"/>
   <p:notesSz cx="6807200" cy="9939338"/>
@@ -4671,6 +4672,134 @@
       </p:grpSpPr>
       <p:sp>
         <p:nvSpPr>
+          <p:cNvPr id="4" name="內容版面配置區 3">
+            <a:extLst>
+              <a:ext uri="{FF2B5EF4-FFF2-40B4-BE49-F238E27FC236}">
+                <a16:creationId xmlns:a16="http://schemas.microsoft.com/office/drawing/2014/main" id="{CA3B1770-FEA9-2004-28B5-E8F096654CE5}"/>
+              </a:ext>
+            </a:extLst>
+          </p:cNvPr>
+          <p:cNvSpPr>
+            <a:spLocks noGrp="1"/>
+          </p:cNvSpPr>
+          <p:nvPr>
+            <p:ph sz="quarter" idx="13"/>
+          </p:nvPr>
+        </p:nvSpPr>
+        <p:spPr>
+          <a:xfrm>
+            <a:off x="632520" y="1125091"/>
+            <a:ext cx="4111947" cy="5039965"/>
+          </a:xfrm>
+        </p:spPr>
+        <p:txBody>
+          <a:bodyPr/>
+          <a:lstStyle/>
+          <a:p>
+            <a:r>
+              <a:rPr lang="zh-TW" altLang="en-US" dirty="0"/>
+              <a:t>說明文字說明文字ＡＡ</a:t>
+            </a:r>
+          </a:p>
+        </p:txBody>
+      </p:sp>
+      <p:sp>
+        <p:nvSpPr>
+          <p:cNvPr id="5" name="內容版面配置區 4">
+            <a:extLst>
+              <a:ext uri="{FF2B5EF4-FFF2-40B4-BE49-F238E27FC236}">
+                <a16:creationId xmlns:a16="http://schemas.microsoft.com/office/drawing/2014/main" id="{2967F0B7-6824-ACF7-E02F-B50D67A261C5}"/>
+              </a:ext>
+            </a:extLst>
+          </p:cNvPr>
+          <p:cNvSpPr>
+            <a:spLocks noGrp="1"/>
+          </p:cNvSpPr>
+          <p:nvPr>
+            <p:ph sz="quarter" idx="14"/>
+          </p:nvPr>
+        </p:nvSpPr>
+        <p:spPr>
+          <a:xfrm>
+            <a:off x="5150340" y="1124744"/>
+            <a:ext cx="4105275" cy="5040312"/>
+          </a:xfrm>
+        </p:spPr>
+        <p:txBody>
+          <a:bodyPr/>
+          <a:lstStyle/>
+          <a:p>
+            <a:r>
+              <a:rPr lang="zh-TW" altLang="en-US" dirty="0"/>
+              <a:t>說明文字說明文字ＢＢ</a:t>
+            </a:r>
+          </a:p>
+        </p:txBody>
+      </p:sp>
+      <p:sp>
+        <p:nvSpPr>
+          <p:cNvPr id="3" name="標題 2">
+            <a:extLst>
+              <a:ext uri="{FF2B5EF4-FFF2-40B4-BE49-F238E27FC236}">
+                <a16:creationId xmlns:a16="http://schemas.microsoft.com/office/drawing/2014/main" id="{D8D4B057-F8EB-6E04-E5C2-0A856EE4528E}"/>
+              </a:ext>
+            </a:extLst>
+          </p:cNvPr>
+          <p:cNvSpPr>
+            <a:spLocks noGrp="1"/>
+          </p:cNvSpPr>
+          <p:nvPr>
+            <p:ph type="title"/>
+          </p:nvPr>
+        </p:nvSpPr>
+        <p:spPr/>
+        <p:txBody>
+          <a:bodyPr/>
+          <a:lstStyle/>
+          <a:p>
+            <a:r>
+              <a:rPr lang="zh-TW" altLang="en-US" dirty="0">
+                <a:solidFill>
+                  <a:srgbClr val="00B050"/>
+                </a:solidFill>
+              </a:rPr>
+              <a:t>填入標題，若不會用到請移除此頁</a:t>
+            </a:r>
+          </a:p>
+        </p:txBody>
+      </p:sp>
+    </p:spTree>
+    <p:extLst>
+      <p:ext uri="{BB962C8B-B14F-4D97-AF65-F5344CB8AC3E}">
+        <p14:creationId xmlns:p14="http://schemas.microsoft.com/office/powerpoint/2010/main" val="1335810427"/>
+      </p:ext>
+    </p:extLst>
+  </p:cSld>
+  <p:clrMapOvr>
+    <a:masterClrMapping/>
+  </p:clrMapOvr>
+</p:sld>
+</file>
+
+<file path=ppt/slides/slide11.xml><?xml version="1.0" encoding="utf-8"?>
+<p:sld xmlns:a="http://schemas.openxmlformats.org/drawingml/2006/main" xmlns:r="http://schemas.openxmlformats.org/officeDocument/2006/relationships" xmlns:p="http://schemas.openxmlformats.org/presentationml/2006/main">
+  <p:cSld>
+    <p:spTree>
+      <p:nvGrpSpPr>
+        <p:cNvPr id="1" name=""/>
+        <p:cNvGrpSpPr/>
+        <p:nvPr/>
+      </p:nvGrpSpPr>
+      <p:grpSpPr>
+        <a:xfrm>
+          <a:off x="0" y="0"/>
+          <a:ext cx="0" cy="0"/>
+          <a:chOff x="0" y="0"/>
+          <a:chExt cx="0" cy="0"/>
+        </a:xfrm>
+      </p:grpSpPr>
+      <p:sp>
+        <p:nvSpPr>
           <p:cNvPr id="5" name="標題 4"/>
           <p:cNvSpPr>
             <a:spLocks noGrp="1"/>
@@ -4741,7 +4870,7 @@
 </p:sld>
 </file>
 
-<file path=ppt/slides/slide11.xml><?xml version="1.0" encoding="utf-8"?>
+<file path=ppt/slides/slide12.xml><?xml version="1.0" encoding="utf-8"?>
 <p:sld xmlns:a="http://schemas.openxmlformats.org/drawingml/2006/main" xmlns:r="http://schemas.openxmlformats.org/officeDocument/2006/relationships" xmlns:p="http://schemas.openxmlformats.org/presentationml/2006/main">
   <p:cSld>
     <p:spTree>
@@ -5612,6 +5741,143 @@
           <a:lstStyle/>
           <a:p>
             <a:r>
+              <a:rPr lang="en-US" altLang="zh-TW" dirty="0">
+                <a:solidFill>
+                  <a:srgbClr val="00B050"/>
+                </a:solidFill>
+              </a:rPr>
+              <a:t>Login Check</a:t>
+            </a:r>
+            <a:endParaRPr lang="zh-TW" altLang="en-US" dirty="0">
+              <a:solidFill>
+                <a:srgbClr val="00B050"/>
+              </a:solidFill>
+            </a:endParaRPr>
+          </a:p>
+        </p:txBody>
+      </p:sp>
+      <p:sp>
+        <p:nvSpPr>
+          <p:cNvPr id="6" name="內容版面配置區 5">
+            <a:extLst>
+              <a:ext uri="{FF2B5EF4-FFF2-40B4-BE49-F238E27FC236}">
+                <a16:creationId xmlns:a16="http://schemas.microsoft.com/office/drawing/2014/main" id="{9080CAA6-5B4D-F32A-847F-6EFB006B3FA3}"/>
+              </a:ext>
+            </a:extLst>
+          </p:cNvPr>
+          <p:cNvSpPr>
+            <a:spLocks noGrp="1"/>
+          </p:cNvSpPr>
+          <p:nvPr>
+            <p:ph idx="1"/>
+          </p:nvPr>
+        </p:nvSpPr>
+        <p:spPr>
+          <a:xfrm>
+            <a:off x="7666858" y="980728"/>
+            <a:ext cx="2232248" cy="5257809"/>
+          </a:xfrm>
+        </p:spPr>
+        <p:txBody>
+          <a:bodyPr>
+            <a:normAutofit/>
+          </a:bodyPr>
+          <a:lstStyle/>
+          <a:p>
+            <a:r>
+              <a:rPr lang="en-US" altLang="zh-TW" sz="1800" dirty="0"/>
+              <a:t>Login Check</a:t>
+            </a:r>
+            <a:r>
+              <a:rPr lang="zh-TW" altLang="en-US" sz="1800" dirty="0"/>
+              <a:t>：部分按鈕在使用者必須登入的狀態下才可執行，否則彈出提醒視窗並跳轉至登入頁面</a:t>
+            </a:r>
+            <a:endParaRPr lang="en-US" altLang="zh-TW" sz="1800" dirty="0"/>
+          </a:p>
+        </p:txBody>
+      </p:sp>
+      <p:pic>
+        <p:nvPicPr>
+          <p:cNvPr id="2" name="圖片 1">
+            <a:extLst>
+              <a:ext uri="{FF2B5EF4-FFF2-40B4-BE49-F238E27FC236}">
+                <a16:creationId xmlns:a16="http://schemas.microsoft.com/office/drawing/2014/main" id="{9CDB2510-2866-4B70-A8AA-9922CBA9B153}"/>
+              </a:ext>
+            </a:extLst>
+          </p:cNvPr>
+          <p:cNvPicPr>
+            <a:picLocks noChangeAspect="1"/>
+          </p:cNvPicPr>
+          <p:nvPr/>
+        </p:nvPicPr>
+        <p:blipFill>
+          <a:blip r:embed="rId2"/>
+          <a:stretch>
+            <a:fillRect/>
+          </a:stretch>
+        </p:blipFill>
+        <p:spPr>
+          <a:xfrm>
+            <a:off x="1712640" y="2420888"/>
+            <a:ext cx="4734586" cy="1781424"/>
+          </a:xfrm>
+          <a:prstGeom prst="rect">
+            <a:avLst/>
+          </a:prstGeom>
+        </p:spPr>
+      </p:pic>
+    </p:spTree>
+    <p:extLst>
+      <p:ext uri="{BB962C8B-B14F-4D97-AF65-F5344CB8AC3E}">
+        <p14:creationId xmlns:p14="http://schemas.microsoft.com/office/powerpoint/2010/main" val="3355499040"/>
+      </p:ext>
+    </p:extLst>
+  </p:cSld>
+  <p:clrMapOvr>
+    <a:masterClrMapping/>
+  </p:clrMapOvr>
+</p:sld>
+</file>
+
+<file path=ppt/slides/slide6.xml><?xml version="1.0" encoding="utf-8"?>
+<p:sld xmlns:a="http://schemas.openxmlformats.org/drawingml/2006/main" xmlns:r="http://schemas.openxmlformats.org/officeDocument/2006/relationships" xmlns:p="http://schemas.openxmlformats.org/presentationml/2006/main">
+  <p:cSld>
+    <p:spTree>
+      <p:nvGrpSpPr>
+        <p:cNvPr id="1" name=""/>
+        <p:cNvGrpSpPr/>
+        <p:nvPr/>
+      </p:nvGrpSpPr>
+      <p:grpSpPr>
+        <a:xfrm>
+          <a:off x="0" y="0"/>
+          <a:ext cx="0" cy="0"/>
+          <a:chOff x="0" y="0"/>
+          <a:chExt cx="0" cy="0"/>
+        </a:xfrm>
+      </p:grpSpPr>
+      <p:sp>
+        <p:nvSpPr>
+          <p:cNvPr id="3" name="標題 2">
+            <a:extLst>
+              <a:ext uri="{FF2B5EF4-FFF2-40B4-BE49-F238E27FC236}">
+                <a16:creationId xmlns:a16="http://schemas.microsoft.com/office/drawing/2014/main" id="{E2F12E2F-52EE-CA77-FB53-4EFC2E0F43C3}"/>
+              </a:ext>
+            </a:extLst>
+          </p:cNvPr>
+          <p:cNvSpPr>
+            <a:spLocks noGrp="1"/>
+          </p:cNvSpPr>
+          <p:nvPr>
+            <p:ph type="title"/>
+          </p:nvPr>
+        </p:nvSpPr>
+        <p:spPr/>
+        <p:txBody>
+          <a:bodyPr/>
+          <a:lstStyle/>
+          <a:p>
+            <a:r>
               <a:rPr lang="zh-TW" altLang="en-US" dirty="0">
                 <a:solidFill>
                   <a:srgbClr val="00B050"/>
@@ -5753,7 +6019,7 @@
 </p:sld>
 </file>
 
-<file path=ppt/slides/slide6.xml><?xml version="1.0" encoding="utf-8"?>
+<file path=ppt/slides/slide7.xml><?xml version="1.0" encoding="utf-8"?>
 <p:sld xmlns:a="http://schemas.openxmlformats.org/drawingml/2006/main" xmlns:r="http://schemas.openxmlformats.org/officeDocument/2006/relationships" xmlns:p="http://schemas.openxmlformats.org/presentationml/2006/main">
   <p:cSld>
     <p:spTree>
@@ -5940,7 +6206,7 @@
 </p:sld>
 </file>
 
-<file path=ppt/slides/slide7.xml><?xml version="1.0" encoding="utf-8"?>
+<file path=ppt/slides/slide8.xml><?xml version="1.0" encoding="utf-8"?>
 <p:sld xmlns:a="http://schemas.openxmlformats.org/drawingml/2006/main" xmlns:r="http://schemas.openxmlformats.org/officeDocument/2006/relationships" xmlns:p="http://schemas.openxmlformats.org/presentationml/2006/main">
   <p:cSld>
     <p:spTree>
@@ -6144,7 +6410,7 @@
 </p:sld>
 </file>
 
-<file path=ppt/slides/slide8.xml><?xml version="1.0" encoding="utf-8"?>
+<file path=ppt/slides/slide9.xml><?xml version="1.0" encoding="utf-8"?>
 <p:sld xmlns:a="http://schemas.openxmlformats.org/drawingml/2006/main" xmlns:r="http://schemas.openxmlformats.org/officeDocument/2006/relationships" xmlns:p="http://schemas.openxmlformats.org/presentationml/2006/main">
   <p:cSld>
     <p:spTree>
@@ -6217,7 +6483,7 @@
         </p:spPr>
         <p:txBody>
           <a:bodyPr>
-            <a:normAutofit fontScale="85000" lnSpcReduction="10000"/>
+            <a:normAutofit fontScale="92500" lnSpcReduction="10000"/>
           </a:bodyPr>
           <a:lstStyle/>
           <a:p>
@@ -6237,17 +6503,6 @@
               <a:rPr lang="en-US" altLang="zh-TW" sz="1800" dirty="0"/>
               <a:t>】</a:t>
             </a:r>
-          </a:p>
-          <a:p>
-            <a:r>
-              <a:rPr lang="en-US" altLang="zh-TW" sz="1800" dirty="0"/>
-              <a:t>Login Check</a:t>
-            </a:r>
-            <a:r>
-              <a:rPr lang="zh-TW" altLang="en-US" sz="1800" dirty="0"/>
-              <a:t>：部分按鈕在使用者必須已登入的狀態下才可執行，否則彈出提醒視窗並跳轉</a:t>
-            </a:r>
-            <a:endParaRPr lang="en-US" altLang="zh-TW" sz="1800" dirty="0"/>
           </a:p>
           <a:p>
             <a:r>
@@ -6384,168 +6639,10 @@
           </a:prstGeom>
         </p:spPr>
       </p:pic>
-      <p:pic>
-        <p:nvPicPr>
-          <p:cNvPr id="10" name="圖片 9">
-            <a:extLst>
-              <a:ext uri="{FF2B5EF4-FFF2-40B4-BE49-F238E27FC236}">
-                <a16:creationId xmlns:a16="http://schemas.microsoft.com/office/drawing/2014/main" id="{1ED87E55-EFC0-4B1B-BE59-9287FF6CDF16}"/>
-              </a:ext>
-            </a:extLst>
-          </p:cNvPr>
-          <p:cNvPicPr>
-            <a:picLocks noChangeAspect="1"/>
-          </p:cNvPicPr>
-          <p:nvPr/>
-        </p:nvPicPr>
-        <p:blipFill>
-          <a:blip r:embed="rId5"/>
-          <a:stretch>
-            <a:fillRect/>
-          </a:stretch>
-        </p:blipFill>
-        <p:spPr>
-          <a:xfrm>
-            <a:off x="2436017" y="878833"/>
-            <a:ext cx="3470707" cy="1318168"/>
-          </a:xfrm>
-          <a:prstGeom prst="rect">
-            <a:avLst/>
-          </a:prstGeom>
-        </p:spPr>
-      </p:pic>
     </p:spTree>
     <p:extLst>
       <p:ext uri="{BB962C8B-B14F-4D97-AF65-F5344CB8AC3E}">
         <p14:creationId xmlns:p14="http://schemas.microsoft.com/office/powerpoint/2010/main" val="1227052763"/>
-      </p:ext>
-    </p:extLst>
-  </p:cSld>
-  <p:clrMapOvr>
-    <a:masterClrMapping/>
-  </p:clrMapOvr>
-</p:sld>
-</file>
-
-<file path=ppt/slides/slide9.xml><?xml version="1.0" encoding="utf-8"?>
-<p:sld xmlns:a="http://schemas.openxmlformats.org/drawingml/2006/main" xmlns:r="http://schemas.openxmlformats.org/officeDocument/2006/relationships" xmlns:p="http://schemas.openxmlformats.org/presentationml/2006/main">
-  <p:cSld>
-    <p:spTree>
-      <p:nvGrpSpPr>
-        <p:cNvPr id="1" name=""/>
-        <p:cNvGrpSpPr/>
-        <p:nvPr/>
-      </p:nvGrpSpPr>
-      <p:grpSpPr>
-        <a:xfrm>
-          <a:off x="0" y="0"/>
-          <a:ext cx="0" cy="0"/>
-          <a:chOff x="0" y="0"/>
-          <a:chExt cx="0" cy="0"/>
-        </a:xfrm>
-      </p:grpSpPr>
-      <p:sp>
-        <p:nvSpPr>
-          <p:cNvPr id="4" name="內容版面配置區 3">
-            <a:extLst>
-              <a:ext uri="{FF2B5EF4-FFF2-40B4-BE49-F238E27FC236}">
-                <a16:creationId xmlns:a16="http://schemas.microsoft.com/office/drawing/2014/main" id="{CA3B1770-FEA9-2004-28B5-E8F096654CE5}"/>
-              </a:ext>
-            </a:extLst>
-          </p:cNvPr>
-          <p:cNvSpPr>
-            <a:spLocks noGrp="1"/>
-          </p:cNvSpPr>
-          <p:nvPr>
-            <p:ph sz="quarter" idx="13"/>
-          </p:nvPr>
-        </p:nvSpPr>
-        <p:spPr>
-          <a:xfrm>
-            <a:off x="632520" y="1125091"/>
-            <a:ext cx="4111947" cy="5039965"/>
-          </a:xfrm>
-        </p:spPr>
-        <p:txBody>
-          <a:bodyPr/>
-          <a:lstStyle/>
-          <a:p>
-            <a:r>
-              <a:rPr lang="zh-TW" altLang="en-US" dirty="0"/>
-              <a:t>說明文字說明文字ＡＡ</a:t>
-            </a:r>
-          </a:p>
-        </p:txBody>
-      </p:sp>
-      <p:sp>
-        <p:nvSpPr>
-          <p:cNvPr id="5" name="內容版面配置區 4">
-            <a:extLst>
-              <a:ext uri="{FF2B5EF4-FFF2-40B4-BE49-F238E27FC236}">
-                <a16:creationId xmlns:a16="http://schemas.microsoft.com/office/drawing/2014/main" id="{2967F0B7-6824-ACF7-E02F-B50D67A261C5}"/>
-              </a:ext>
-            </a:extLst>
-          </p:cNvPr>
-          <p:cNvSpPr>
-            <a:spLocks noGrp="1"/>
-          </p:cNvSpPr>
-          <p:nvPr>
-            <p:ph sz="quarter" idx="14"/>
-          </p:nvPr>
-        </p:nvSpPr>
-        <p:spPr>
-          <a:xfrm>
-            <a:off x="5150340" y="1124744"/>
-            <a:ext cx="4105275" cy="5040312"/>
-          </a:xfrm>
-        </p:spPr>
-        <p:txBody>
-          <a:bodyPr/>
-          <a:lstStyle/>
-          <a:p>
-            <a:r>
-              <a:rPr lang="zh-TW" altLang="en-US" dirty="0"/>
-              <a:t>說明文字說明文字ＢＢ</a:t>
-            </a:r>
-          </a:p>
-        </p:txBody>
-      </p:sp>
-      <p:sp>
-        <p:nvSpPr>
-          <p:cNvPr id="3" name="標題 2">
-            <a:extLst>
-              <a:ext uri="{FF2B5EF4-FFF2-40B4-BE49-F238E27FC236}">
-                <a16:creationId xmlns:a16="http://schemas.microsoft.com/office/drawing/2014/main" id="{D8D4B057-F8EB-6E04-E5C2-0A856EE4528E}"/>
-              </a:ext>
-            </a:extLst>
-          </p:cNvPr>
-          <p:cNvSpPr>
-            <a:spLocks noGrp="1"/>
-          </p:cNvSpPr>
-          <p:nvPr>
-            <p:ph type="title"/>
-          </p:nvPr>
-        </p:nvSpPr>
-        <p:spPr/>
-        <p:txBody>
-          <a:bodyPr/>
-          <a:lstStyle/>
-          <a:p>
-            <a:r>
-              <a:rPr lang="zh-TW" altLang="en-US" dirty="0">
-                <a:solidFill>
-                  <a:srgbClr val="00B050"/>
-                </a:solidFill>
-              </a:rPr>
-              <a:t>填入標題，若不會用到請移除此頁</a:t>
-            </a:r>
-          </a:p>
-        </p:txBody>
-      </p:sp>
-    </p:spTree>
-    <p:extLst>
-      <p:ext uri="{BB962C8B-B14F-4D97-AF65-F5344CB8AC3E}">
-        <p14:creationId xmlns:p14="http://schemas.microsoft.com/office/powerpoint/2010/main" val="1335810427"/>
       </p:ext>
     </p:extLst>
   </p:cSld>

--- a/docs/ppt/Liao.pptx
+++ b/docs/ppt/Liao.pptx
@@ -5,10 +5,10 @@
     <p:sldMasterId id="2147483664" r:id="rId1"/>
   </p:sldMasterIdLst>
   <p:notesMasterIdLst>
-    <p:notesMasterId r:id="rId14"/>
+    <p:notesMasterId r:id="rId16"/>
   </p:notesMasterIdLst>
   <p:handoutMasterIdLst>
-    <p:handoutMasterId r:id="rId15"/>
+    <p:handoutMasterId r:id="rId17"/>
   </p:handoutMasterIdLst>
   <p:sldIdLst>
     <p:sldId id="264" r:id="rId2"/>
@@ -16,13 +16,15 @@
     <p:sldId id="270" r:id="rId4"/>
     <p:sldId id="271" r:id="rId5"/>
     <p:sldId id="281" r:id="rId6"/>
-    <p:sldId id="274" r:id="rId7"/>
-    <p:sldId id="278" r:id="rId8"/>
-    <p:sldId id="280" r:id="rId9"/>
-    <p:sldId id="279" r:id="rId10"/>
-    <p:sldId id="275" r:id="rId11"/>
-    <p:sldId id="265" r:id="rId12"/>
-    <p:sldId id="260" r:id="rId13"/>
+    <p:sldId id="282" r:id="rId7"/>
+    <p:sldId id="274" r:id="rId8"/>
+    <p:sldId id="278" r:id="rId9"/>
+    <p:sldId id="280" r:id="rId10"/>
+    <p:sldId id="283" r:id="rId11"/>
+    <p:sldId id="279" r:id="rId12"/>
+    <p:sldId id="275" r:id="rId13"/>
+    <p:sldId id="265" r:id="rId14"/>
+    <p:sldId id="260" r:id="rId15"/>
   </p:sldIdLst>
   <p:sldSz cx="9906000" cy="6858000" type="A4"/>
   <p:notesSz cx="6807200" cy="9939338"/>
@@ -4672,6 +4674,431 @@
       </p:grpSpPr>
       <p:sp>
         <p:nvSpPr>
+          <p:cNvPr id="3" name="標題 2">
+            <a:extLst>
+              <a:ext uri="{FF2B5EF4-FFF2-40B4-BE49-F238E27FC236}">
+                <a16:creationId xmlns:a16="http://schemas.microsoft.com/office/drawing/2014/main" id="{E2F12E2F-52EE-CA77-FB53-4EFC2E0F43C3}"/>
+              </a:ext>
+            </a:extLst>
+          </p:cNvPr>
+          <p:cNvSpPr>
+            <a:spLocks noGrp="1"/>
+          </p:cNvSpPr>
+          <p:nvPr>
+            <p:ph type="title"/>
+          </p:nvPr>
+        </p:nvSpPr>
+        <p:spPr/>
+        <p:txBody>
+          <a:bodyPr/>
+          <a:lstStyle/>
+          <a:p>
+            <a:r>
+              <a:rPr lang="en-US" altLang="zh-TW" dirty="0" err="1">
+                <a:solidFill>
+                  <a:srgbClr val="00B050"/>
+                </a:solidFill>
+              </a:rPr>
+              <a:t>SignalR</a:t>
+            </a:r>
+            <a:r>
+              <a:rPr lang="en-US" altLang="zh-TW" dirty="0">
+                <a:solidFill>
+                  <a:srgbClr val="00B050"/>
+                </a:solidFill>
+              </a:rPr>
+              <a:t> </a:t>
+            </a:r>
+            <a:r>
+              <a:rPr lang="zh-TW" altLang="en-US" dirty="0">
+                <a:solidFill>
+                  <a:srgbClr val="00B050"/>
+                </a:solidFill>
+              </a:rPr>
+              <a:t>聊天室</a:t>
+            </a:r>
+          </a:p>
+        </p:txBody>
+      </p:sp>
+      <p:sp>
+        <p:nvSpPr>
+          <p:cNvPr id="6" name="內容版面配置區 5">
+            <a:extLst>
+              <a:ext uri="{FF2B5EF4-FFF2-40B4-BE49-F238E27FC236}">
+                <a16:creationId xmlns:a16="http://schemas.microsoft.com/office/drawing/2014/main" id="{9080CAA6-5B4D-F32A-847F-6EFB006B3FA3}"/>
+              </a:ext>
+            </a:extLst>
+          </p:cNvPr>
+          <p:cNvSpPr>
+            <a:spLocks noGrp="1"/>
+          </p:cNvSpPr>
+          <p:nvPr>
+            <p:ph idx="1"/>
+          </p:nvPr>
+        </p:nvSpPr>
+        <p:spPr>
+          <a:xfrm>
+            <a:off x="7666858" y="980728"/>
+            <a:ext cx="2232248" cy="5257809"/>
+          </a:xfrm>
+        </p:spPr>
+        <p:txBody>
+          <a:bodyPr>
+            <a:normAutofit/>
+          </a:bodyPr>
+          <a:lstStyle/>
+          <a:p>
+            <a:r>
+              <a:rPr lang="zh-TW" altLang="en-US" sz="1800" dirty="0"/>
+              <a:t>文章列表右側顯示</a:t>
+            </a:r>
+            <a:r>
+              <a:rPr lang="en-US" altLang="zh-TW" sz="1800" dirty="0"/>
+              <a:t>【</a:t>
+            </a:r>
+            <a:r>
+              <a:rPr lang="en-US" altLang="zh-TW" sz="1800" dirty="0" err="1"/>
+              <a:t>SignalR</a:t>
+            </a:r>
+            <a:r>
+              <a:rPr lang="en-US" altLang="zh-TW" sz="1800" dirty="0"/>
+              <a:t>】</a:t>
+            </a:r>
+            <a:r>
+              <a:rPr lang="zh-TW" altLang="en-US" sz="1800" dirty="0"/>
+              <a:t>聊天室供使用者交流，未登入會以訪客顯示，反之以用戶名顯示</a:t>
+            </a:r>
+            <a:endParaRPr lang="en-US" altLang="zh-TW" sz="1800" dirty="0"/>
+          </a:p>
+          <a:p>
+            <a:r>
+              <a:rPr lang="zh-TW" altLang="en-US" sz="1800" dirty="0"/>
+              <a:t>以</a:t>
+            </a:r>
+            <a:r>
+              <a:rPr lang="en-US" altLang="zh-TW" sz="1800" dirty="0"/>
+              <a:t>JavaScript</a:t>
+            </a:r>
+            <a:r>
+              <a:rPr lang="zh-TW" altLang="en-US" sz="1800" dirty="0"/>
+              <a:t>去控制聊天室傳輸訊息，超連結也會正常顯示，控制卷軸自動下拉移至最新的聊天訊息</a:t>
+            </a:r>
+            <a:endParaRPr lang="en-US" altLang="zh-TW" sz="1800" dirty="0"/>
+          </a:p>
+        </p:txBody>
+      </p:sp>
+      <p:pic>
+        <p:nvPicPr>
+          <p:cNvPr id="5" name="圖片 4">
+            <a:extLst>
+              <a:ext uri="{FF2B5EF4-FFF2-40B4-BE49-F238E27FC236}">
+                <a16:creationId xmlns:a16="http://schemas.microsoft.com/office/drawing/2014/main" id="{08F7C18A-C8FD-4345-AE80-84E292C2697F}"/>
+              </a:ext>
+            </a:extLst>
+          </p:cNvPr>
+          <p:cNvPicPr>
+            <a:picLocks noChangeAspect="1"/>
+          </p:cNvPicPr>
+          <p:nvPr/>
+        </p:nvPicPr>
+        <p:blipFill>
+          <a:blip r:embed="rId2"/>
+          <a:stretch>
+            <a:fillRect/>
+          </a:stretch>
+        </p:blipFill>
+        <p:spPr>
+          <a:xfrm>
+            <a:off x="1856656" y="1412776"/>
+            <a:ext cx="2829320" cy="3801005"/>
+          </a:xfrm>
+          <a:prstGeom prst="rect">
+            <a:avLst/>
+          </a:prstGeom>
+        </p:spPr>
+      </p:pic>
+    </p:spTree>
+    <p:extLst>
+      <p:ext uri="{BB962C8B-B14F-4D97-AF65-F5344CB8AC3E}">
+        <p14:creationId xmlns:p14="http://schemas.microsoft.com/office/powerpoint/2010/main" val="72858440"/>
+      </p:ext>
+    </p:extLst>
+  </p:cSld>
+  <p:clrMapOvr>
+    <a:masterClrMapping/>
+  </p:clrMapOvr>
+</p:sld>
+</file>
+
+<file path=ppt/slides/slide11.xml><?xml version="1.0" encoding="utf-8"?>
+<p:sld xmlns:a="http://schemas.openxmlformats.org/drawingml/2006/main" xmlns:r="http://schemas.openxmlformats.org/officeDocument/2006/relationships" xmlns:p="http://schemas.openxmlformats.org/presentationml/2006/main">
+  <p:cSld>
+    <p:spTree>
+      <p:nvGrpSpPr>
+        <p:cNvPr id="1" name=""/>
+        <p:cNvGrpSpPr/>
+        <p:nvPr/>
+      </p:nvGrpSpPr>
+      <p:grpSpPr>
+        <a:xfrm>
+          <a:off x="0" y="0"/>
+          <a:ext cx="0" cy="0"/>
+          <a:chOff x="0" y="0"/>
+          <a:chExt cx="0" cy="0"/>
+        </a:xfrm>
+      </p:grpSpPr>
+      <p:sp>
+        <p:nvSpPr>
+          <p:cNvPr id="3" name="標題 2">
+            <a:extLst>
+              <a:ext uri="{FF2B5EF4-FFF2-40B4-BE49-F238E27FC236}">
+                <a16:creationId xmlns:a16="http://schemas.microsoft.com/office/drawing/2014/main" id="{E2F12E2F-52EE-CA77-FB53-4EFC2E0F43C3}"/>
+              </a:ext>
+            </a:extLst>
+          </p:cNvPr>
+          <p:cNvSpPr>
+            <a:spLocks noGrp="1"/>
+          </p:cNvSpPr>
+          <p:nvPr>
+            <p:ph type="title"/>
+          </p:nvPr>
+        </p:nvSpPr>
+        <p:spPr/>
+        <p:txBody>
+          <a:bodyPr/>
+          <a:lstStyle/>
+          <a:p>
+            <a:r>
+              <a:rPr lang="zh-TW" altLang="en-US" dirty="0">
+                <a:solidFill>
+                  <a:srgbClr val="00B050"/>
+                </a:solidFill>
+              </a:rPr>
+              <a:t>訂單紀錄清單</a:t>
+            </a:r>
+          </a:p>
+        </p:txBody>
+      </p:sp>
+      <p:sp>
+        <p:nvSpPr>
+          <p:cNvPr id="6" name="內容版面配置區 5">
+            <a:extLst>
+              <a:ext uri="{FF2B5EF4-FFF2-40B4-BE49-F238E27FC236}">
+                <a16:creationId xmlns:a16="http://schemas.microsoft.com/office/drawing/2014/main" id="{9080CAA6-5B4D-F32A-847F-6EFB006B3FA3}"/>
+              </a:ext>
+            </a:extLst>
+          </p:cNvPr>
+          <p:cNvSpPr>
+            <a:spLocks noGrp="1"/>
+          </p:cNvSpPr>
+          <p:nvPr>
+            <p:ph idx="1"/>
+          </p:nvPr>
+        </p:nvSpPr>
+        <p:spPr>
+          <a:xfrm>
+            <a:off x="7666858" y="980728"/>
+            <a:ext cx="2232248" cy="5257809"/>
+          </a:xfrm>
+        </p:spPr>
+        <p:txBody>
+          <a:bodyPr>
+            <a:normAutofit fontScale="92500" lnSpcReduction="10000"/>
+          </a:bodyPr>
+          <a:lstStyle/>
+          <a:p>
+            <a:r>
+              <a:rPr lang="zh-TW" altLang="en-US" sz="1800" dirty="0"/>
+              <a:t>從商城導覽列進入</a:t>
+            </a:r>
+            <a:r>
+              <a:rPr lang="en-US" altLang="zh-TW" sz="1800" dirty="0"/>
+              <a:t>【</a:t>
+            </a:r>
+            <a:r>
+              <a:rPr lang="zh-TW" altLang="en-US" sz="1800" dirty="0"/>
+              <a:t>我的訂單</a:t>
+            </a:r>
+            <a:r>
+              <a:rPr lang="en-US" altLang="zh-TW" sz="1800" dirty="0"/>
+              <a:t>】</a:t>
+            </a:r>
+          </a:p>
+          <a:p>
+            <a:r>
+              <a:rPr lang="zh-TW" altLang="en-US" sz="1800" dirty="0"/>
+              <a:t>訂單紀錄會顯示使用者當前所有訂單的狀態，亦可以訂單編號去搜尋訂單</a:t>
+            </a:r>
+            <a:endParaRPr lang="en-US" altLang="zh-TW" sz="1800" dirty="0"/>
+          </a:p>
+          <a:p>
+            <a:r>
+              <a:rPr lang="zh-TW" altLang="en-US" sz="1800" dirty="0"/>
+              <a:t>進度條會顯示訂單的進度，以及記錄進度的時間</a:t>
+            </a:r>
+            <a:endParaRPr lang="en-US" altLang="zh-TW" sz="1800" dirty="0"/>
+          </a:p>
+          <a:p>
+            <a:r>
+              <a:rPr lang="zh-TW" altLang="en-US" sz="1800" dirty="0"/>
+              <a:t>點擊查看明細會彈出</a:t>
+            </a:r>
+            <a:r>
+              <a:rPr lang="en-US" altLang="zh-TW" sz="1800" dirty="0"/>
+              <a:t>Modal</a:t>
+            </a:r>
+            <a:r>
+              <a:rPr lang="zh-TW" altLang="en-US" sz="1800" dirty="0"/>
+              <a:t>視窗，可查看該訂單詳細的資訊</a:t>
+            </a:r>
+            <a:endParaRPr lang="en-US" altLang="zh-TW" sz="1800" dirty="0"/>
+          </a:p>
+          <a:p>
+            <a:r>
+              <a:rPr lang="zh-TW" altLang="en-US" sz="1800" dirty="0"/>
+              <a:t>若還在</a:t>
+            </a:r>
+            <a:r>
+              <a:rPr lang="en-US" altLang="zh-TW" sz="1800" dirty="0"/>
+              <a:t>【</a:t>
+            </a:r>
+            <a:r>
+              <a:rPr lang="zh-TW" altLang="en-US" sz="1800" dirty="0"/>
+              <a:t>處理中</a:t>
+            </a:r>
+            <a:r>
+              <a:rPr lang="en-US" altLang="zh-TW" sz="1800" dirty="0"/>
+              <a:t>】</a:t>
+            </a:r>
+            <a:r>
+              <a:rPr lang="zh-TW" altLang="en-US" sz="1800" dirty="0"/>
+              <a:t>的訂單可以取消，並且會跳出確認視窗</a:t>
+            </a:r>
+          </a:p>
+        </p:txBody>
+      </p:sp>
+      <p:pic>
+        <p:nvPicPr>
+          <p:cNvPr id="4" name="圖片 3">
+            <a:extLst>
+              <a:ext uri="{FF2B5EF4-FFF2-40B4-BE49-F238E27FC236}">
+                <a16:creationId xmlns:a16="http://schemas.microsoft.com/office/drawing/2014/main" id="{FAED6CE1-C04C-4D0E-8EFC-AB597170BE22}"/>
+              </a:ext>
+            </a:extLst>
+          </p:cNvPr>
+          <p:cNvPicPr>
+            <a:picLocks noChangeAspect="1"/>
+          </p:cNvPicPr>
+          <p:nvPr/>
+        </p:nvPicPr>
+        <p:blipFill>
+          <a:blip r:embed="rId2"/>
+          <a:stretch>
+            <a:fillRect/>
+          </a:stretch>
+        </p:blipFill>
+        <p:spPr>
+          <a:xfrm>
+            <a:off x="56456" y="1198419"/>
+            <a:ext cx="7560840" cy="2158573"/>
+          </a:xfrm>
+          <a:prstGeom prst="rect">
+            <a:avLst/>
+          </a:prstGeom>
+        </p:spPr>
+      </p:pic>
+      <p:pic>
+        <p:nvPicPr>
+          <p:cNvPr id="7" name="圖片 6">
+            <a:extLst>
+              <a:ext uri="{FF2B5EF4-FFF2-40B4-BE49-F238E27FC236}">
+                <a16:creationId xmlns:a16="http://schemas.microsoft.com/office/drawing/2014/main" id="{2E09FC48-AD17-481C-98EB-361A4B7F0871}"/>
+              </a:ext>
+            </a:extLst>
+          </p:cNvPr>
+          <p:cNvPicPr>
+            <a:picLocks noChangeAspect="1"/>
+          </p:cNvPicPr>
+          <p:nvPr/>
+        </p:nvPicPr>
+        <p:blipFill>
+          <a:blip r:embed="rId3"/>
+          <a:stretch>
+            <a:fillRect/>
+          </a:stretch>
+        </p:blipFill>
+        <p:spPr>
+          <a:xfrm>
+            <a:off x="416496" y="3303766"/>
+            <a:ext cx="3283722" cy="2933546"/>
+          </a:xfrm>
+          <a:prstGeom prst="rect">
+            <a:avLst/>
+          </a:prstGeom>
+        </p:spPr>
+      </p:pic>
+      <p:pic>
+        <p:nvPicPr>
+          <p:cNvPr id="8" name="圖片 7">
+            <a:extLst>
+              <a:ext uri="{FF2B5EF4-FFF2-40B4-BE49-F238E27FC236}">
+                <a16:creationId xmlns:a16="http://schemas.microsoft.com/office/drawing/2014/main" id="{8AB82BBB-93E6-4B4B-93E6-EB443B742CE7}"/>
+              </a:ext>
+            </a:extLst>
+          </p:cNvPr>
+          <p:cNvPicPr>
+            <a:picLocks noChangeAspect="1"/>
+          </p:cNvPicPr>
+          <p:nvPr/>
+        </p:nvPicPr>
+        <p:blipFill>
+          <a:blip r:embed="rId4"/>
+          <a:stretch>
+            <a:fillRect/>
+          </a:stretch>
+        </p:blipFill>
+        <p:spPr>
+          <a:xfrm>
+            <a:off x="3327593" y="4149080"/>
+            <a:ext cx="4258269" cy="1343212"/>
+          </a:xfrm>
+          <a:prstGeom prst="rect">
+            <a:avLst/>
+          </a:prstGeom>
+        </p:spPr>
+      </p:pic>
+    </p:spTree>
+    <p:extLst>
+      <p:ext uri="{BB962C8B-B14F-4D97-AF65-F5344CB8AC3E}">
+        <p14:creationId xmlns:p14="http://schemas.microsoft.com/office/powerpoint/2010/main" val="1227052763"/>
+      </p:ext>
+    </p:extLst>
+  </p:cSld>
+  <p:clrMapOvr>
+    <a:masterClrMapping/>
+  </p:clrMapOvr>
+</p:sld>
+</file>
+
+<file path=ppt/slides/slide12.xml><?xml version="1.0" encoding="utf-8"?>
+<p:sld xmlns:a="http://schemas.openxmlformats.org/drawingml/2006/main" xmlns:r="http://schemas.openxmlformats.org/officeDocument/2006/relationships" xmlns:p="http://schemas.openxmlformats.org/presentationml/2006/main">
+  <p:cSld>
+    <p:spTree>
+      <p:nvGrpSpPr>
+        <p:cNvPr id="1" name=""/>
+        <p:cNvGrpSpPr/>
+        <p:nvPr/>
+      </p:nvGrpSpPr>
+      <p:grpSpPr>
+        <a:xfrm>
+          <a:off x="0" y="0"/>
+          <a:ext cx="0" cy="0"/>
+          <a:chOff x="0" y="0"/>
+          <a:chExt cx="0" cy="0"/>
+        </a:xfrm>
+      </p:grpSpPr>
+      <p:sp>
+        <p:nvSpPr>
           <p:cNvPr id="4" name="內容版面配置區 3">
             <a:extLst>
               <a:ext uri="{FF2B5EF4-FFF2-40B4-BE49-F238E27FC236}">
@@ -4781,7 +5208,7 @@
 </p:sld>
 </file>
 
-<file path=ppt/slides/slide11.xml><?xml version="1.0" encoding="utf-8"?>
+<file path=ppt/slides/slide13.xml><?xml version="1.0" encoding="utf-8"?>
 <p:sld xmlns:a="http://schemas.openxmlformats.org/drawingml/2006/main" xmlns:r="http://schemas.openxmlformats.org/officeDocument/2006/relationships" xmlns:p="http://schemas.openxmlformats.org/presentationml/2006/main">
   <p:cSld>
     <p:spTree>
@@ -4870,7 +5297,7 @@
 </p:sld>
 </file>
 
-<file path=ppt/slides/slide12.xml><?xml version="1.0" encoding="utf-8"?>
+<file path=ppt/slides/slide14.xml><?xml version="1.0" encoding="utf-8"?>
 <p:sld xmlns:a="http://schemas.openxmlformats.org/drawingml/2006/main" xmlns:r="http://schemas.openxmlformats.org/officeDocument/2006/relationships" xmlns:p="http://schemas.openxmlformats.org/presentationml/2006/main">
   <p:cSld>
     <p:spTree>
@@ -5746,7 +6173,7 @@
                   <a:srgbClr val="00B050"/>
                 </a:solidFill>
               </a:rPr>
-              <a:t>Login Check</a:t>
+              <a:t>123</a:t>
             </a:r>
             <a:endParaRPr lang="zh-TW" altLang="en-US" dirty="0">
               <a:solidFill>
@@ -5786,46 +6213,11 @@
           <a:p>
             <a:r>
               <a:rPr lang="en-US" altLang="zh-TW" sz="1800" dirty="0"/>
-              <a:t>Login Check</a:t>
-            </a:r>
-            <a:r>
-              <a:rPr lang="zh-TW" altLang="en-US" sz="1800" dirty="0"/>
-              <a:t>：部分按鈕在使用者必須登入的狀態下才可執行，否則彈出提醒視窗並跳轉至登入頁面</a:t>
-            </a:r>
-            <a:endParaRPr lang="en-US" altLang="zh-TW" sz="1800" dirty="0"/>
+              <a:t>123</a:t>
+            </a:r>
           </a:p>
         </p:txBody>
       </p:sp>
-      <p:pic>
-        <p:nvPicPr>
-          <p:cNvPr id="2" name="圖片 1">
-            <a:extLst>
-              <a:ext uri="{FF2B5EF4-FFF2-40B4-BE49-F238E27FC236}">
-                <a16:creationId xmlns:a16="http://schemas.microsoft.com/office/drawing/2014/main" id="{9CDB2510-2866-4B70-A8AA-9922CBA9B153}"/>
-              </a:ext>
-            </a:extLst>
-          </p:cNvPr>
-          <p:cNvPicPr>
-            <a:picLocks noChangeAspect="1"/>
-          </p:cNvPicPr>
-          <p:nvPr/>
-        </p:nvPicPr>
-        <p:blipFill>
-          <a:blip r:embed="rId2"/>
-          <a:stretch>
-            <a:fillRect/>
-          </a:stretch>
-        </p:blipFill>
-        <p:spPr>
-          <a:xfrm>
-            <a:off x="1712640" y="2420888"/>
-            <a:ext cx="4734586" cy="1781424"/>
-          </a:xfrm>
-          <a:prstGeom prst="rect">
-            <a:avLst/>
-          </a:prstGeom>
-        </p:spPr>
-      </p:pic>
     </p:spTree>
     <p:extLst>
       <p:ext uri="{BB962C8B-B14F-4D97-AF65-F5344CB8AC3E}">
@@ -5878,13 +6270,18 @@
           <a:lstStyle/>
           <a:p>
             <a:r>
-              <a:rPr lang="zh-TW" altLang="en-US" dirty="0">
+              <a:rPr lang="en-US" altLang="zh-TW" dirty="0">
                 <a:solidFill>
                   <a:srgbClr val="00B050"/>
                 </a:solidFill>
               </a:rPr>
-              <a:t>看板列表</a:t>
-            </a:r>
+              <a:t>Login Check</a:t>
+            </a:r>
+            <a:endParaRPr lang="zh-TW" altLang="en-US" dirty="0">
+              <a:solidFill>
+                <a:srgbClr val="00B050"/>
+              </a:solidFill>
+            </a:endParaRPr>
           </a:p>
         </p:txBody>
       </p:sp>
@@ -5917,71 +6314,49 @@
           <a:lstStyle/>
           <a:p>
             <a:r>
+              <a:rPr lang="en-US" altLang="zh-TW" sz="1800" dirty="0"/>
+              <a:t>Login Check</a:t>
+            </a:r>
+            <a:r>
               <a:rPr lang="zh-TW" altLang="en-US" sz="1800" dirty="0"/>
-              <a:t>顯示所有專板　預設以人氣高低進行排序</a:t>
+              <a:t>：部分按鈕在使用者必須登入的狀態下才可執行，否則彈出提醒視窗並跳轉至登入頁面</a:t>
             </a:r>
             <a:endParaRPr lang="en-US" altLang="zh-TW" sz="1800" dirty="0"/>
           </a:p>
           <a:p>
             <a:r>
+              <a:rPr lang="en-US" altLang="zh-TW" sz="1800" dirty="0"/>
+              <a:t>【Action Filter】</a:t>
+            </a:r>
+            <a:r>
               <a:rPr lang="zh-TW" altLang="en-US" sz="1800" dirty="0"/>
-              <a:t>使用者可透過</a:t>
+              <a:t>篩選登入的狀態</a:t>
+            </a:r>
+            <a:endParaRPr lang="en-US" altLang="zh-TW" sz="1800" dirty="0"/>
+          </a:p>
+          <a:p>
+            <a:r>
+              <a:rPr lang="zh-TW" altLang="en-US" sz="1800" dirty="0"/>
+              <a:t>並在標籤內帶入屬性以</a:t>
             </a:r>
             <a:r>
               <a:rPr lang="en-US" altLang="zh-TW" sz="1800" dirty="0"/>
-              <a:t>【</a:t>
+              <a:t>【 JS 】</a:t>
             </a:r>
             <a:r>
               <a:rPr lang="zh-TW" altLang="en-US" sz="1800" dirty="0"/>
-              <a:t>分類按鈕</a:t>
-            </a:r>
-            <a:r>
-              <a:rPr lang="en-US" altLang="zh-TW" sz="1800" dirty="0"/>
-              <a:t>】</a:t>
-            </a:r>
-            <a:r>
-              <a:rPr lang="zh-TW" altLang="en-US" sz="1800" dirty="0"/>
-              <a:t>或</a:t>
-            </a:r>
-            <a:r>
-              <a:rPr lang="en-US" altLang="zh-TW" sz="1800" dirty="0"/>
-              <a:t>【</a:t>
-            </a:r>
-            <a:r>
-              <a:rPr lang="zh-TW" altLang="en-US" sz="1800" dirty="0"/>
-              <a:t>搜尋看板</a:t>
-            </a:r>
-            <a:r>
-              <a:rPr lang="en-US" altLang="zh-TW" sz="1800" dirty="0"/>
-              <a:t>】</a:t>
-            </a:r>
-            <a:r>
-              <a:rPr lang="zh-TW" altLang="en-US" sz="1800" dirty="0"/>
-              <a:t>的方式尋找看板，點擊看板標題可進入看板首頁</a:t>
+              <a:t>去控制事件的觸發</a:t>
             </a:r>
             <a:endParaRPr lang="en-US" altLang="zh-TW" sz="1800" dirty="0"/>
-          </a:p>
-          <a:p>
-            <a:r>
-              <a:rPr lang="zh-TW" altLang="en-US" sz="1800" dirty="0"/>
-              <a:t>右側會顯示　　使用者近期瀏覽過的看板紀錄以及最新成立看板</a:t>
-            </a:r>
-            <a:endParaRPr lang="en-US" altLang="zh-TW" sz="1800" dirty="0"/>
-          </a:p>
-          <a:p>
-            <a:r>
-              <a:rPr lang="zh-TW" altLang="en-US" sz="1800" dirty="0"/>
-              <a:t>移動到超連結上會以綠色顯示</a:t>
-            </a:r>
           </a:p>
         </p:txBody>
       </p:sp>
       <p:pic>
         <p:nvPicPr>
-          <p:cNvPr id="5" name="圖片 4">
+          <p:cNvPr id="2" name="圖片 1">
             <a:extLst>
               <a:ext uri="{FF2B5EF4-FFF2-40B4-BE49-F238E27FC236}">
-                <a16:creationId xmlns:a16="http://schemas.microsoft.com/office/drawing/2014/main" id="{3AEA5362-6814-43D7-9C96-954C0446A57A}"/>
+                <a16:creationId xmlns:a16="http://schemas.microsoft.com/office/drawing/2014/main" id="{9CDB2510-2866-4B70-A8AA-9922CBA9B153}"/>
               </a:ext>
             </a:extLst>
           </p:cNvPr>
@@ -5998,8 +6373,8 @@
         </p:blipFill>
         <p:spPr>
           <a:xfrm>
-            <a:off x="28541" y="980727"/>
-            <a:ext cx="7678270" cy="5257809"/>
+            <a:off x="1712640" y="2420888"/>
+            <a:ext cx="4734586" cy="1781424"/>
           </a:xfrm>
           <a:prstGeom prst="rect">
             <a:avLst/>
@@ -6009,7 +6384,7 @@
     </p:spTree>
     <p:extLst>
       <p:ext uri="{BB962C8B-B14F-4D97-AF65-F5344CB8AC3E}">
-        <p14:creationId xmlns:p14="http://schemas.microsoft.com/office/powerpoint/2010/main" val="2801340232"/>
+        <p14:creationId xmlns:p14="http://schemas.microsoft.com/office/powerpoint/2010/main" val="1554978217"/>
       </p:ext>
     </p:extLst>
   </p:cSld>
@@ -6063,7 +6438,7 @@
                   <a:srgbClr val="00B050"/>
                 </a:solidFill>
               </a:rPr>
-              <a:t>看板首頁</a:t>
+              <a:t>看板列表</a:t>
             </a:r>
           </a:p>
         </p:txBody>
@@ -6090,6 +6465,204 @@
             <a:ext cx="2232248" cy="5257809"/>
           </a:xfrm>
         </p:spPr>
+        <p:txBody>
+          <a:bodyPr>
+            <a:normAutofit/>
+          </a:bodyPr>
+          <a:lstStyle/>
+          <a:p>
+            <a:r>
+              <a:rPr lang="zh-TW" altLang="en-US" sz="1800" dirty="0"/>
+              <a:t>顯示所有專板　預設以人氣高低進行排序</a:t>
+            </a:r>
+            <a:endParaRPr lang="en-US" altLang="zh-TW" sz="1800" dirty="0"/>
+          </a:p>
+          <a:p>
+            <a:r>
+              <a:rPr lang="zh-TW" altLang="en-US" sz="1800" dirty="0"/>
+              <a:t>使用者可透過</a:t>
+            </a:r>
+            <a:r>
+              <a:rPr lang="en-US" altLang="zh-TW" sz="1800" dirty="0"/>
+              <a:t>【</a:t>
+            </a:r>
+            <a:r>
+              <a:rPr lang="zh-TW" altLang="en-US" sz="1800" dirty="0"/>
+              <a:t>分類按鈕</a:t>
+            </a:r>
+            <a:r>
+              <a:rPr lang="en-US" altLang="zh-TW" sz="1800" dirty="0"/>
+              <a:t>】</a:t>
+            </a:r>
+            <a:r>
+              <a:rPr lang="zh-TW" altLang="en-US" sz="1800" dirty="0"/>
+              <a:t>或</a:t>
+            </a:r>
+            <a:r>
+              <a:rPr lang="en-US" altLang="zh-TW" sz="1800" dirty="0"/>
+              <a:t>【</a:t>
+            </a:r>
+            <a:r>
+              <a:rPr lang="zh-TW" altLang="en-US" sz="1800" dirty="0"/>
+              <a:t>搜尋看板</a:t>
+            </a:r>
+            <a:r>
+              <a:rPr lang="en-US" altLang="zh-TW" sz="1800" dirty="0"/>
+              <a:t>】</a:t>
+            </a:r>
+            <a:r>
+              <a:rPr lang="zh-TW" altLang="en-US" sz="1800" dirty="0"/>
+              <a:t>的方式尋找看板，點擊看板標題可進入看板首頁</a:t>
+            </a:r>
+            <a:endParaRPr lang="en-US" altLang="zh-TW" sz="1800" dirty="0"/>
+          </a:p>
+          <a:p>
+            <a:r>
+              <a:rPr lang="zh-TW" altLang="en-US" sz="1800" dirty="0"/>
+              <a:t>右側會顯示　　使用者近期瀏覽過的看板紀錄以及最新成立看板</a:t>
+            </a:r>
+            <a:endParaRPr lang="en-US" altLang="zh-TW" sz="1800" dirty="0"/>
+          </a:p>
+          <a:p>
+            <a:r>
+              <a:rPr lang="zh-TW" altLang="en-US" sz="1800" dirty="0"/>
+              <a:t>移動到超連結上會以綠色顯示</a:t>
+            </a:r>
+          </a:p>
+        </p:txBody>
+      </p:sp>
+      <p:pic>
+        <p:nvPicPr>
+          <p:cNvPr id="5" name="圖片 4">
+            <a:extLst>
+              <a:ext uri="{FF2B5EF4-FFF2-40B4-BE49-F238E27FC236}">
+                <a16:creationId xmlns:a16="http://schemas.microsoft.com/office/drawing/2014/main" id="{3AEA5362-6814-43D7-9C96-954C0446A57A}"/>
+              </a:ext>
+            </a:extLst>
+          </p:cNvPr>
+          <p:cNvPicPr>
+            <a:picLocks noChangeAspect="1"/>
+          </p:cNvPicPr>
+          <p:nvPr/>
+        </p:nvPicPr>
+        <p:blipFill>
+          <a:blip r:embed="rId2"/>
+          <a:stretch>
+            <a:fillRect/>
+          </a:stretch>
+        </p:blipFill>
+        <p:spPr>
+          <a:xfrm>
+            <a:off x="28541" y="980727"/>
+            <a:ext cx="7678270" cy="5257809"/>
+          </a:xfrm>
+          <a:prstGeom prst="rect">
+            <a:avLst/>
+          </a:prstGeom>
+        </p:spPr>
+      </p:pic>
+    </p:spTree>
+    <p:extLst>
+      <p:ext uri="{BB962C8B-B14F-4D97-AF65-F5344CB8AC3E}">
+        <p14:creationId xmlns:p14="http://schemas.microsoft.com/office/powerpoint/2010/main" val="2801340232"/>
+      </p:ext>
+    </p:extLst>
+  </p:cSld>
+  <p:clrMapOvr>
+    <a:masterClrMapping/>
+  </p:clrMapOvr>
+</p:sld>
+</file>
+
+<file path=ppt/slides/slide8.xml><?xml version="1.0" encoding="utf-8"?>
+<p:sld xmlns:a="http://schemas.openxmlformats.org/drawingml/2006/main" xmlns:r="http://schemas.openxmlformats.org/officeDocument/2006/relationships" xmlns:p="http://schemas.openxmlformats.org/presentationml/2006/main">
+  <p:cSld>
+    <p:spTree>
+      <p:nvGrpSpPr>
+        <p:cNvPr id="1" name=""/>
+        <p:cNvGrpSpPr/>
+        <p:nvPr/>
+      </p:nvGrpSpPr>
+      <p:grpSpPr>
+        <a:xfrm>
+          <a:off x="0" y="0"/>
+          <a:ext cx="0" cy="0"/>
+          <a:chOff x="0" y="0"/>
+          <a:chExt cx="0" cy="0"/>
+        </a:xfrm>
+      </p:grpSpPr>
+      <p:sp>
+        <p:nvSpPr>
+          <p:cNvPr id="3" name="標題 2">
+            <a:extLst>
+              <a:ext uri="{FF2B5EF4-FFF2-40B4-BE49-F238E27FC236}">
+                <a16:creationId xmlns:a16="http://schemas.microsoft.com/office/drawing/2014/main" id="{E2F12E2F-52EE-CA77-FB53-4EFC2E0F43C3}"/>
+              </a:ext>
+            </a:extLst>
+          </p:cNvPr>
+          <p:cNvSpPr>
+            <a:spLocks noGrp="1"/>
+          </p:cNvSpPr>
+          <p:nvPr>
+            <p:ph type="title"/>
+          </p:nvPr>
+        </p:nvSpPr>
+        <p:spPr/>
+        <p:txBody>
+          <a:bodyPr/>
+          <a:lstStyle/>
+          <a:p>
+            <a:r>
+              <a:rPr lang="zh-TW" altLang="en-US" dirty="0">
+                <a:solidFill>
+                  <a:srgbClr val="00B050"/>
+                </a:solidFill>
+              </a:rPr>
+              <a:t>看板首頁</a:t>
+            </a:r>
+          </a:p>
+        </p:txBody>
+      </p:sp>
+      <p:sp>
+        <p:nvSpPr>
+          <p:cNvPr id="6" name="內容版面配置區 5">
+            <a:extLst>
+              <a:ext uri="{FF2B5EF4-FFF2-40B4-BE49-F238E27FC236}">
+                <a16:creationId xmlns:a16="http://schemas.microsoft.com/office/drawing/2014/main" id="{9080CAA6-5B4D-F32A-847F-6EFB006B3FA3}"/>
+              </a:ext>
+            </a:extLst>
+          </p:cNvPr>
+          <p:cNvSpPr>
+            <a:spLocks noGrp="1"/>
+          </p:cNvSpPr>
+          <p:nvPr>
+            <p:ph idx="1"/>
+          </p:nvPr>
+        </p:nvSpPr>
+        <p:spPr>
+          <a:xfrm>
+            <a:off x="7666858" y="980728"/>
+            <a:ext cx="2232248" cy="5257809"/>
+          </a:xfrm>
+          <a:noFill/>
+          <a:ln>
+            <a:noFill/>
+          </a:ln>
+        </p:spPr>
+        <p:style>
+          <a:lnRef idx="0">
+            <a:scrgbClr r="0" g="0" b="0"/>
+          </a:lnRef>
+          <a:fillRef idx="0">
+            <a:scrgbClr r="0" g="0" b="0"/>
+          </a:fillRef>
+          <a:effectRef idx="0">
+            <a:scrgbClr r="0" g="0" b="0"/>
+          </a:effectRef>
+          <a:fontRef idx="minor">
+            <a:schemeClr val="dk1"/>
+          </a:fontRef>
+        </p:style>
         <p:txBody>
           <a:bodyPr>
             <a:normAutofit/>
@@ -6206,210 +6779,6 @@
 </p:sld>
 </file>
 
-<file path=ppt/slides/slide8.xml><?xml version="1.0" encoding="utf-8"?>
-<p:sld xmlns:a="http://schemas.openxmlformats.org/drawingml/2006/main" xmlns:r="http://schemas.openxmlformats.org/officeDocument/2006/relationships" xmlns:p="http://schemas.openxmlformats.org/presentationml/2006/main">
-  <p:cSld>
-    <p:spTree>
-      <p:nvGrpSpPr>
-        <p:cNvPr id="1" name=""/>
-        <p:cNvGrpSpPr/>
-        <p:nvPr/>
-      </p:nvGrpSpPr>
-      <p:grpSpPr>
-        <a:xfrm>
-          <a:off x="0" y="0"/>
-          <a:ext cx="0" cy="0"/>
-          <a:chOff x="0" y="0"/>
-          <a:chExt cx="0" cy="0"/>
-        </a:xfrm>
-      </p:grpSpPr>
-      <p:sp>
-        <p:nvSpPr>
-          <p:cNvPr id="3" name="標題 2">
-            <a:extLst>
-              <a:ext uri="{FF2B5EF4-FFF2-40B4-BE49-F238E27FC236}">
-                <a16:creationId xmlns:a16="http://schemas.microsoft.com/office/drawing/2014/main" id="{E2F12E2F-52EE-CA77-FB53-4EFC2E0F43C3}"/>
-              </a:ext>
-            </a:extLst>
-          </p:cNvPr>
-          <p:cNvSpPr>
-            <a:spLocks noGrp="1"/>
-          </p:cNvSpPr>
-          <p:nvPr>
-            <p:ph type="title"/>
-          </p:nvPr>
-        </p:nvSpPr>
-        <p:spPr/>
-        <p:txBody>
-          <a:bodyPr/>
-          <a:lstStyle/>
-          <a:p>
-            <a:r>
-              <a:rPr lang="zh-TW" altLang="en-US" dirty="0">
-                <a:solidFill>
-                  <a:srgbClr val="00B050"/>
-                </a:solidFill>
-              </a:rPr>
-              <a:t>文章列表</a:t>
-            </a:r>
-          </a:p>
-        </p:txBody>
-      </p:sp>
-      <p:sp>
-        <p:nvSpPr>
-          <p:cNvPr id="6" name="內容版面配置區 5">
-            <a:extLst>
-              <a:ext uri="{FF2B5EF4-FFF2-40B4-BE49-F238E27FC236}">
-                <a16:creationId xmlns:a16="http://schemas.microsoft.com/office/drawing/2014/main" id="{9080CAA6-5B4D-F32A-847F-6EFB006B3FA3}"/>
-              </a:ext>
-            </a:extLst>
-          </p:cNvPr>
-          <p:cNvSpPr>
-            <a:spLocks noGrp="1"/>
-          </p:cNvSpPr>
-          <p:nvPr>
-            <p:ph idx="1"/>
-          </p:nvPr>
-        </p:nvSpPr>
-        <p:spPr>
-          <a:xfrm>
-            <a:off x="7666858" y="980728"/>
-            <a:ext cx="2232248" cy="5257809"/>
-          </a:xfrm>
-        </p:spPr>
-        <p:txBody>
-          <a:bodyPr>
-            <a:normAutofit/>
-          </a:bodyPr>
-          <a:lstStyle/>
-          <a:p>
-            <a:r>
-              <a:rPr lang="zh-TW" altLang="en-US" sz="1800" dirty="0"/>
-              <a:t>文章列表依然時間序顯示最新發布的文章，用</a:t>
-            </a:r>
-            <a:r>
-              <a:rPr lang="en-US" altLang="zh-TW" sz="1800" dirty="0"/>
-              <a:t>【</a:t>
-            </a:r>
-            <a:r>
-              <a:rPr lang="zh-TW" altLang="en-US" sz="1800" dirty="0"/>
-              <a:t>分類按鈕</a:t>
-            </a:r>
-            <a:r>
-              <a:rPr lang="en-US" altLang="zh-TW" sz="1800" dirty="0"/>
-              <a:t>】</a:t>
-            </a:r>
-            <a:r>
-              <a:rPr lang="zh-TW" altLang="en-US" sz="1800" dirty="0"/>
-              <a:t>或</a:t>
-            </a:r>
-            <a:r>
-              <a:rPr lang="en-US" altLang="zh-TW" sz="1800" dirty="0"/>
-              <a:t>【</a:t>
-            </a:r>
-            <a:r>
-              <a:rPr lang="zh-TW" altLang="en-US" sz="1800" dirty="0"/>
-              <a:t>搜尋文章</a:t>
-            </a:r>
-            <a:r>
-              <a:rPr lang="en-US" altLang="zh-TW" sz="1800" dirty="0"/>
-              <a:t>】</a:t>
-            </a:r>
-            <a:r>
-              <a:rPr lang="zh-TW" altLang="en-US" sz="1800" dirty="0"/>
-              <a:t>可篩選自己想找的文章</a:t>
-            </a:r>
-            <a:endParaRPr lang="en-US" altLang="zh-TW" sz="1800" dirty="0"/>
-          </a:p>
-          <a:p>
-            <a:r>
-              <a:rPr lang="zh-TW" altLang="en-US" sz="1800" dirty="0"/>
-              <a:t>點擊標題或者封面圖片皆可進入文章頁面</a:t>
-            </a:r>
-            <a:endParaRPr lang="en-US" altLang="zh-TW" sz="1800" dirty="0"/>
-          </a:p>
-          <a:p>
-            <a:r>
-              <a:rPr lang="zh-TW" altLang="en-US" sz="1800" dirty="0"/>
-              <a:t>文章列表右側顯示聊天室供使用者交流，未登入會以訪客顯示，反之以用戶名顯示</a:t>
-            </a:r>
-            <a:endParaRPr lang="en-US" altLang="zh-TW" sz="1800" dirty="0"/>
-          </a:p>
-        </p:txBody>
-      </p:sp>
-      <p:pic>
-        <p:nvPicPr>
-          <p:cNvPr id="2" name="圖片 1">
-            <a:extLst>
-              <a:ext uri="{FF2B5EF4-FFF2-40B4-BE49-F238E27FC236}">
-                <a16:creationId xmlns:a16="http://schemas.microsoft.com/office/drawing/2014/main" id="{14A2C8A3-FC8E-41CC-8E56-3B0A20C3D9B8}"/>
-              </a:ext>
-            </a:extLst>
-          </p:cNvPr>
-          <p:cNvPicPr>
-            <a:picLocks noChangeAspect="1"/>
-          </p:cNvPicPr>
-          <p:nvPr/>
-        </p:nvPicPr>
-        <p:blipFill>
-          <a:blip r:embed="rId2"/>
-          <a:stretch>
-            <a:fillRect/>
-          </a:stretch>
-        </p:blipFill>
-        <p:spPr>
-          <a:xfrm>
-            <a:off x="36123" y="908720"/>
-            <a:ext cx="7668981" cy="4968552"/>
-          </a:xfrm>
-          <a:prstGeom prst="rect">
-            <a:avLst/>
-          </a:prstGeom>
-        </p:spPr>
-      </p:pic>
-      <p:pic>
-        <p:nvPicPr>
-          <p:cNvPr id="4" name="圖片 3">
-            <a:extLst>
-              <a:ext uri="{FF2B5EF4-FFF2-40B4-BE49-F238E27FC236}">
-                <a16:creationId xmlns:a16="http://schemas.microsoft.com/office/drawing/2014/main" id="{807D124D-F070-4992-8C34-285507738E43}"/>
-              </a:ext>
-            </a:extLst>
-          </p:cNvPr>
-          <p:cNvPicPr>
-            <a:picLocks noChangeAspect="1"/>
-          </p:cNvPicPr>
-          <p:nvPr/>
-        </p:nvPicPr>
-        <p:blipFill>
-          <a:blip r:embed="rId3"/>
-          <a:stretch>
-            <a:fillRect/>
-          </a:stretch>
-        </p:blipFill>
-        <p:spPr>
-          <a:xfrm>
-            <a:off x="5529064" y="3609632"/>
-            <a:ext cx="2232248" cy="2973834"/>
-          </a:xfrm>
-          <a:prstGeom prst="rect">
-            <a:avLst/>
-          </a:prstGeom>
-        </p:spPr>
-      </p:pic>
-    </p:spTree>
-    <p:extLst>
-      <p:ext uri="{BB962C8B-B14F-4D97-AF65-F5344CB8AC3E}">
-        <p14:creationId xmlns:p14="http://schemas.microsoft.com/office/powerpoint/2010/main" val="2273651645"/>
-      </p:ext>
-    </p:extLst>
-  </p:cSld>
-  <p:clrMapOvr>
-    <a:masterClrMapping/>
-  </p:clrMapOvr>
-</p:sld>
-</file>
-
 <file path=ppt/slides/slide9.xml><?xml version="1.0" encoding="utf-8"?>
 <p:sld xmlns:a="http://schemas.openxmlformats.org/drawingml/2006/main" xmlns:r="http://schemas.openxmlformats.org/officeDocument/2006/relationships" xmlns:p="http://schemas.openxmlformats.org/presentationml/2006/main">
   <p:cSld>
@@ -6454,7 +6823,7 @@
                   <a:srgbClr val="00B050"/>
                 </a:solidFill>
               </a:rPr>
-              <a:t>訂單紀錄清單</a:t>
+              <a:t>文章列表</a:t>
             </a:r>
           </a:p>
         </p:txBody>
@@ -6483,13 +6852,13 @@
         </p:spPr>
         <p:txBody>
           <a:bodyPr>
-            <a:normAutofit fontScale="92500" lnSpcReduction="10000"/>
+            <a:normAutofit/>
           </a:bodyPr>
           <a:lstStyle/>
           <a:p>
             <a:r>
               <a:rPr lang="zh-TW" altLang="en-US" sz="1800" dirty="0"/>
-              <a:t>從商城導覽列進入</a:t>
+              <a:t>文章列表依然時間序顯示最新發布的文章，用</a:t>
             </a:r>
             <a:r>
               <a:rPr lang="en-US" altLang="zh-TW" sz="1800" dirty="0"/>
@@ -6497,38 +6866,15 @@
             </a:r>
             <a:r>
               <a:rPr lang="zh-TW" altLang="en-US" sz="1800" dirty="0"/>
-              <a:t>我的訂單</a:t>
+              <a:t>分類按鈕</a:t>
             </a:r>
             <a:r>
               <a:rPr lang="en-US" altLang="zh-TW" sz="1800" dirty="0"/>
               <a:t>】</a:t>
             </a:r>
-          </a:p>
-          <a:p>
             <a:r>
               <a:rPr lang="zh-TW" altLang="en-US" sz="1800" dirty="0"/>
-              <a:t>訂單紀錄會顯示使用者當前所有訂單的狀態，亦可以訂單編號去搜尋訂單</a:t>
-            </a:r>
-            <a:endParaRPr lang="en-US" altLang="zh-TW" sz="1800" dirty="0"/>
-          </a:p>
-          <a:p>
-            <a:r>
-              <a:rPr lang="zh-TW" altLang="en-US" sz="1800" dirty="0"/>
-              <a:t>進度條會顯示訂單的進度，以及記錄進度的時間</a:t>
-            </a:r>
-            <a:endParaRPr lang="en-US" altLang="zh-TW" sz="1800" dirty="0"/>
-          </a:p>
-          <a:p>
-            <a:r>
-              <a:rPr lang="zh-TW" altLang="en-US" sz="1800" dirty="0"/>
-              <a:t>點擊查看明細會彈出視窗，可查看該訂單詳細的資訊</a:t>
-            </a:r>
-            <a:endParaRPr lang="en-US" altLang="zh-TW" sz="1800" dirty="0"/>
-          </a:p>
-          <a:p>
-            <a:r>
-              <a:rPr lang="zh-TW" altLang="en-US" sz="1800" dirty="0"/>
-              <a:t>若還在</a:t>
+              <a:t>或</a:t>
             </a:r>
             <a:r>
               <a:rPr lang="en-US" altLang="zh-TW" sz="1800" dirty="0"/>
@@ -6536,7 +6882,7 @@
             </a:r>
             <a:r>
               <a:rPr lang="zh-TW" altLang="en-US" sz="1800" dirty="0"/>
-              <a:t>處理中</a:t>
+              <a:t>搜尋文章</a:t>
             </a:r>
             <a:r>
               <a:rPr lang="en-US" altLang="zh-TW" sz="1800" dirty="0"/>
@@ -6544,17 +6890,52 @@
             </a:r>
             <a:r>
               <a:rPr lang="zh-TW" altLang="en-US" sz="1800" dirty="0"/>
-              <a:t>的訂單可以取消，並且會跳出確認視窗</a:t>
-            </a:r>
+              <a:t>可篩選自己想找的文章</a:t>
+            </a:r>
+            <a:endParaRPr lang="en-US" altLang="zh-TW" sz="1800" dirty="0"/>
+          </a:p>
+          <a:p>
+            <a:r>
+              <a:rPr lang="zh-TW" altLang="en-US" sz="1800" dirty="0"/>
+              <a:t>點擊標題或者封面圖片皆可進入文章頁面</a:t>
+            </a:r>
+            <a:endParaRPr lang="en-US" altLang="zh-TW" sz="1800" dirty="0"/>
+          </a:p>
+          <a:p>
+            <a:r>
+              <a:rPr lang="en-US" altLang="zh-TW" sz="1800" dirty="0"/>
+              <a:t>Controller</a:t>
+            </a:r>
+            <a:r>
+              <a:rPr lang="zh-TW" altLang="en-US" sz="1800" dirty="0"/>
+              <a:t>以及</a:t>
+            </a:r>
+            <a:r>
+              <a:rPr lang="en-US" altLang="zh-TW" sz="1800" dirty="0"/>
+              <a:t>JS</a:t>
+            </a:r>
+            <a:r>
+              <a:rPr lang="zh-TW" altLang="en-US" sz="1800" dirty="0"/>
+              <a:t>去控制分類、上下一頁的按鈕，按照文章數傳入</a:t>
+            </a:r>
+            <a:r>
+              <a:rPr lang="en-US" altLang="zh-TW" sz="1800" dirty="0"/>
+              <a:t>page</a:t>
+            </a:r>
+            <a:r>
+              <a:rPr lang="zh-TW" altLang="en-US" sz="1800" dirty="0"/>
+              <a:t>等資料</a:t>
+            </a:r>
+            <a:endParaRPr lang="en-US" altLang="zh-TW" sz="1800" dirty="0"/>
           </a:p>
         </p:txBody>
       </p:sp>
       <p:pic>
         <p:nvPicPr>
-          <p:cNvPr id="4" name="圖片 3">
+          <p:cNvPr id="2" name="圖片 1">
             <a:extLst>
               <a:ext uri="{FF2B5EF4-FFF2-40B4-BE49-F238E27FC236}">
-                <a16:creationId xmlns:a16="http://schemas.microsoft.com/office/drawing/2014/main" id="{FAED6CE1-C04C-4D0E-8EFC-AB597170BE22}"/>
+                <a16:creationId xmlns:a16="http://schemas.microsoft.com/office/drawing/2014/main" id="{14A2C8A3-FC8E-41CC-8E56-3B0A20C3D9B8}"/>
               </a:ext>
             </a:extLst>
           </p:cNvPr>
@@ -6571,68 +6952,8 @@
         </p:blipFill>
         <p:spPr>
           <a:xfrm>
-            <a:off x="56456" y="1702475"/>
-            <a:ext cx="7560840" cy="2158573"/>
-          </a:xfrm>
-          <a:prstGeom prst="rect">
-            <a:avLst/>
-          </a:prstGeom>
-        </p:spPr>
-      </p:pic>
-      <p:pic>
-        <p:nvPicPr>
-          <p:cNvPr id="7" name="圖片 6">
-            <a:extLst>
-              <a:ext uri="{FF2B5EF4-FFF2-40B4-BE49-F238E27FC236}">
-                <a16:creationId xmlns:a16="http://schemas.microsoft.com/office/drawing/2014/main" id="{2E09FC48-AD17-481C-98EB-361A4B7F0871}"/>
-              </a:ext>
-            </a:extLst>
-          </p:cNvPr>
-          <p:cNvPicPr>
-            <a:picLocks noChangeAspect="1"/>
-          </p:cNvPicPr>
-          <p:nvPr/>
-        </p:nvPicPr>
-        <p:blipFill>
-          <a:blip r:embed="rId3"/>
-          <a:stretch>
-            <a:fillRect/>
-          </a:stretch>
-        </p:blipFill>
-        <p:spPr>
-          <a:xfrm>
-            <a:off x="272480" y="3645024"/>
-            <a:ext cx="3283722" cy="2933546"/>
-          </a:xfrm>
-          <a:prstGeom prst="rect">
-            <a:avLst/>
-          </a:prstGeom>
-        </p:spPr>
-      </p:pic>
-      <p:pic>
-        <p:nvPicPr>
-          <p:cNvPr id="8" name="圖片 7">
-            <a:extLst>
-              <a:ext uri="{FF2B5EF4-FFF2-40B4-BE49-F238E27FC236}">
-                <a16:creationId xmlns:a16="http://schemas.microsoft.com/office/drawing/2014/main" id="{8AB82BBB-93E6-4B4B-93E6-EB443B742CE7}"/>
-              </a:ext>
-            </a:extLst>
-          </p:cNvPr>
-          <p:cNvPicPr>
-            <a:picLocks noChangeAspect="1"/>
-          </p:cNvPicPr>
-          <p:nvPr/>
-        </p:nvPicPr>
-        <p:blipFill>
-          <a:blip r:embed="rId4"/>
-          <a:stretch>
-            <a:fillRect/>
-          </a:stretch>
-        </p:blipFill>
-        <p:spPr>
-          <a:xfrm>
-            <a:off x="3345058" y="4966108"/>
-            <a:ext cx="4258269" cy="1343212"/>
+            <a:off x="36123" y="980728"/>
+            <a:ext cx="7668981" cy="4968552"/>
           </a:xfrm>
           <a:prstGeom prst="rect">
             <a:avLst/>
@@ -6642,7 +6963,7 @@
     </p:spTree>
     <p:extLst>
       <p:ext uri="{BB962C8B-B14F-4D97-AF65-F5344CB8AC3E}">
-        <p14:creationId xmlns:p14="http://schemas.microsoft.com/office/powerpoint/2010/main" val="1227052763"/>
+        <p14:creationId xmlns:p14="http://schemas.microsoft.com/office/powerpoint/2010/main" val="2273651645"/>
       </p:ext>
     </p:extLst>
   </p:cSld>
